--- a/Presentation.pptx
+++ b/Presentation.pptx
@@ -108,6 +108,11 @@
       </a:defRPr>
     </a:lvl9pPr>
   </p:defaultTextStyle>
+  <p:extLst>
+    <p:ext uri="{EFAFB233-063F-42B5-8137-9DF3F51BA10A}">
+      <p15:sldGuideLst xmlns:p15="http://schemas.microsoft.com/office/powerpoint/2012/main"/>
+    </p:ext>
+  </p:extLst>
 </p:presentation>
 </file>
 
@@ -250,7 +255,7 @@
           <a:p>
             <a:fld id="{48A87A34-81AB-432B-8DAE-1953F412C126}" type="datetimeFigureOut">
               <a:rPr lang="en-US" dirty="0"/>
-              <a:t>7/18/21</a:t>
+              <a:t>7/20/21</a:t>
             </a:fld>
             <a:endParaRPr lang="en-US" dirty="0"/>
           </a:p>
@@ -456,7 +461,7 @@
           <a:p>
             <a:fld id="{48A87A34-81AB-432B-8DAE-1953F412C126}" type="datetimeFigureOut">
               <a:rPr lang="en-US" dirty="0"/>
-              <a:t>7/18/21</a:t>
+              <a:t>7/20/21</a:t>
             </a:fld>
             <a:endParaRPr lang="en-US" dirty="0"/>
           </a:p>
@@ -666,7 +671,7 @@
           <a:p>
             <a:fld id="{48A87A34-81AB-432B-8DAE-1953F412C126}" type="datetimeFigureOut">
               <a:rPr lang="en-US" dirty="0"/>
-              <a:t>7/18/21</a:t>
+              <a:t>7/20/21</a:t>
             </a:fld>
             <a:endParaRPr lang="en-US" dirty="0"/>
           </a:p>
@@ -862,7 +867,7 @@
           <a:p>
             <a:fld id="{48A87A34-81AB-432B-8DAE-1953F412C126}" type="datetimeFigureOut">
               <a:rPr lang="en-US" dirty="0"/>
-              <a:t>7/18/21</a:t>
+              <a:t>7/20/21</a:t>
             </a:fld>
             <a:endParaRPr lang="en-US" dirty="0"/>
           </a:p>
@@ -1136,7 +1141,7 @@
           <a:p>
             <a:fld id="{48A87A34-81AB-432B-8DAE-1953F412C126}" type="datetimeFigureOut">
               <a:rPr lang="en-US" dirty="0"/>
-              <a:t>7/18/21</a:t>
+              <a:t>7/20/21</a:t>
             </a:fld>
             <a:endParaRPr lang="en-US" dirty="0"/>
           </a:p>
@@ -1399,7 +1404,7 @@
           <a:p>
             <a:fld id="{48A87A34-81AB-432B-8DAE-1953F412C126}" type="datetimeFigureOut">
               <a:rPr lang="en-US" dirty="0"/>
-              <a:t>7/18/21</a:t>
+              <a:t>7/20/21</a:t>
             </a:fld>
             <a:endParaRPr lang="en-US" dirty="0"/>
           </a:p>
@@ -1810,7 +1815,7 @@
           <a:p>
             <a:fld id="{48A87A34-81AB-432B-8DAE-1953F412C126}" type="datetimeFigureOut">
               <a:rPr lang="en-US" dirty="0"/>
-              <a:t>7/18/21</a:t>
+              <a:t>7/20/21</a:t>
             </a:fld>
             <a:endParaRPr lang="en-US" dirty="0"/>
           </a:p>
@@ -1954,7 +1959,7 @@
           <a:p>
             <a:fld id="{48A87A34-81AB-432B-8DAE-1953F412C126}" type="datetimeFigureOut">
               <a:rPr lang="en-US" dirty="0"/>
-              <a:t>7/18/21</a:t>
+              <a:t>7/20/21</a:t>
             </a:fld>
             <a:endParaRPr lang="en-US" dirty="0"/>
           </a:p>
@@ -2075,7 +2080,7 @@
           <a:p>
             <a:fld id="{48A87A34-81AB-432B-8DAE-1953F412C126}" type="datetimeFigureOut">
               <a:rPr lang="en-US" dirty="0"/>
-              <a:t>7/18/21</a:t>
+              <a:t>7/20/21</a:t>
             </a:fld>
             <a:endParaRPr lang="en-US" dirty="0"/>
           </a:p>
@@ -2321,7 +2326,7 @@
           <a:p>
             <a:fld id="{48A87A34-81AB-432B-8DAE-1953F412C126}" type="datetimeFigureOut">
               <a:rPr lang="en-US" dirty="0"/>
-              <a:t>7/18/21</a:t>
+              <a:t>7/20/21</a:t>
             </a:fld>
             <a:endParaRPr lang="en-US" dirty="0"/>
           </a:p>
@@ -2762,7 +2767,7 @@
             <a:fld id="{48A87A34-81AB-432B-8DAE-1953F412C126}" type="datetimeFigureOut">
               <a:rPr lang="en-US" dirty="0"/>
               <a:pPr/>
-              <a:t>7/18/21</a:t>
+              <a:t>7/20/21</a:t>
             </a:fld>
             <a:endParaRPr lang="en-US" dirty="0"/>
           </a:p>
@@ -3085,7 +3090,7 @@
             <a:fld id="{48A87A34-81AB-432B-8DAE-1953F412C126}" type="datetimeFigureOut">
               <a:rPr lang="en-US" dirty="0"/>
               <a:pPr/>
-              <a:t>7/18/21</a:t>
+              <a:t>7/20/21</a:t>
             </a:fld>
             <a:endParaRPr lang="en-US" dirty="0"/>
           </a:p>
@@ -4022,12 +4027,12 @@
           <a:lstStyle/>
           <a:p>
             <a:r>
-              <a:rPr lang="en-US">
+              <a:rPr lang="en-US" dirty="0">
                 <a:solidFill>
                   <a:srgbClr val="FFFFFE"/>
                 </a:solidFill>
               </a:rPr>
-              <a:t>Questions</a:t>
+              <a:t>Questions – Whisky hunters</a:t>
             </a:r>
           </a:p>
         </p:txBody>
@@ -4123,7 +4128,7 @@
                   <a:srgbClr val="FFFFFE"/>
                 </a:solidFill>
               </a:rPr>
-              <a:t>Where is the best whisky?</a:t>
+              <a:t>Where in the world has the best whisky?</a:t>
             </a:r>
           </a:p>
           <a:p>
@@ -4138,7 +4143,7 @@
                   <a:srgbClr val="FFFFFE"/>
                 </a:solidFill>
               </a:rPr>
-              <a:t>What county has the most distillery’s?</a:t>
+              <a:t>What County has the most distilleries?</a:t>
             </a:r>
           </a:p>
           <a:p>
@@ -4153,7 +4158,7 @@
                   <a:srgbClr val="FFFFFE"/>
                 </a:solidFill>
               </a:rPr>
-              <a:t> </a:t>
+              <a:t>What are the top-rated distilleries in those Countries  </a:t>
             </a:r>
           </a:p>
         </p:txBody>
@@ -4429,12 +4434,12 @@
               </a:buClr>
             </a:pPr>
             <a:r>
-              <a:rPr lang="en-US">
+              <a:rPr lang="en-US" dirty="0">
                 <a:solidFill>
                   <a:srgbClr val="FFFFFE"/>
                 </a:solidFill>
               </a:rPr>
-              <a:t>We got our data from Kaggle </a:t>
+              <a:t>We got our data from Kaggle and Whisky Base </a:t>
             </a:r>
           </a:p>
           <a:p>
@@ -4444,12 +4449,12 @@
               </a:buClr>
             </a:pPr>
             <a:r>
-              <a:rPr lang="en-US">
+              <a:rPr lang="en-US" dirty="0">
                 <a:solidFill>
                   <a:srgbClr val="FFFFFE"/>
                 </a:solidFill>
               </a:rPr>
-              <a:t>We imported the data and cleaned it using Pandas. The data was exported to SQLite where we used flask APIs to call the data</a:t>
+              <a:t>We imported the data and cleaned it using Pandas. The data was exported to SQLite where we used flask APIs to call the data for our HTML. </a:t>
             </a:r>
           </a:p>
           <a:p>
@@ -4458,7 +4463,123 @@
                 <a:srgbClr val="FFB743"/>
               </a:buClr>
             </a:pPr>
-            <a:endParaRPr lang="en-US">
+            <a:r>
+              <a:rPr lang="en-US" dirty="0">
+                <a:solidFill>
+                  <a:srgbClr val="FFFFFE"/>
+                </a:solidFill>
+              </a:rPr>
+              <a:t>To </a:t>
+            </a:r>
+            <a:r>
+              <a:rPr lang="en-US" dirty="0" err="1">
+                <a:solidFill>
+                  <a:srgbClr val="FFFFFE"/>
+                </a:solidFill>
+              </a:rPr>
+              <a:t>visualise</a:t>
+            </a:r>
+            <a:r>
+              <a:rPr lang="en-US" dirty="0">
+                <a:solidFill>
+                  <a:srgbClr val="FFFFFE"/>
+                </a:solidFill>
+              </a:rPr>
+              <a:t> our data, we </a:t>
+            </a:r>
+            <a:r>
+              <a:rPr lang="en-US" dirty="0">
+                <a:solidFill>
+                  <a:schemeClr val="bg1"/>
+                </a:solidFill>
+              </a:rPr>
+              <a:t>used </a:t>
+            </a:r>
+            <a:r>
+              <a:rPr lang="en-AU" dirty="0" err="1">
+                <a:solidFill>
+                  <a:schemeClr val="bg1"/>
+                </a:solidFill>
+                <a:latin typeface="Slack-Lato"/>
+              </a:rPr>
+              <a:t>Plotly</a:t>
+            </a:r>
+            <a:r>
+              <a:rPr lang="en-AU" dirty="0">
+                <a:solidFill>
+                  <a:schemeClr val="bg1"/>
+                </a:solidFill>
+                <a:latin typeface="Slack-Lato"/>
+              </a:rPr>
+              <a:t>, D3, </a:t>
+            </a:r>
+            <a:r>
+              <a:rPr lang="en-AU" dirty="0" err="1">
+                <a:solidFill>
+                  <a:schemeClr val="bg1"/>
+                </a:solidFill>
+                <a:latin typeface="Slack-Lato"/>
+              </a:rPr>
+              <a:t>Highchart</a:t>
+            </a:r>
+            <a:r>
+              <a:rPr lang="en-AU" dirty="0">
+                <a:solidFill>
+                  <a:schemeClr val="bg1"/>
+                </a:solidFill>
+                <a:latin typeface="Slack-Lato"/>
+              </a:rPr>
+              <a:t>, </a:t>
+            </a:r>
+            <a:r>
+              <a:rPr lang="en-AU" dirty="0" err="1">
+                <a:solidFill>
+                  <a:schemeClr val="bg1"/>
+                </a:solidFill>
+                <a:latin typeface="Slack-Lato"/>
+              </a:rPr>
+              <a:t>Datatables</a:t>
+            </a:r>
+            <a:r>
+              <a:rPr lang="en-AU" dirty="0">
+                <a:solidFill>
+                  <a:schemeClr val="bg1"/>
+                </a:solidFill>
+                <a:latin typeface="Slack-Lato"/>
+              </a:rPr>
+              <a:t>, </a:t>
+            </a:r>
+            <a:r>
+              <a:rPr lang="en-AU" dirty="0" err="1">
+                <a:solidFill>
+                  <a:schemeClr val="bg1"/>
+                </a:solidFill>
+                <a:latin typeface="Slack-Lato"/>
+              </a:rPr>
+              <a:t>Lodash</a:t>
+            </a:r>
+            <a:r>
+              <a:rPr lang="en-AU" dirty="0">
+                <a:solidFill>
+                  <a:schemeClr val="bg1"/>
+                </a:solidFill>
+                <a:latin typeface="Slack-Lato"/>
+              </a:rPr>
+              <a:t>,</a:t>
+            </a:r>
+            <a:endParaRPr lang="en-US" dirty="0">
+              <a:solidFill>
+                <a:schemeClr val="bg1"/>
+              </a:solidFill>
+            </a:endParaRPr>
+          </a:p>
+          <a:p>
+            <a:pPr>
+              <a:buClr>
+                <a:srgbClr val="FFB743"/>
+              </a:buClr>
+            </a:pPr>
+            <a:endParaRPr lang="en-US" dirty="0">
               <a:solidFill>
                 <a:srgbClr val="FFFFFE"/>
               </a:solidFill>
@@ -5123,6 +5244,36 @@
           </a:fontRef>
         </p:style>
       </p:cxnSp>
+      <p:pic>
+        <p:nvPicPr>
+          <p:cNvPr id="5" name="Picture 4" descr="A picture containing text, indoor&#10;&#10;Description automatically generated">
+            <a:extLst>
+              <a:ext uri="{FF2B5EF4-FFF2-40B4-BE49-F238E27FC236}">
+                <a16:creationId xmlns:a16="http://schemas.microsoft.com/office/drawing/2014/main" id="{21061D96-9100-AF49-9CC9-7E3236B5B972}"/>
+              </a:ext>
+            </a:extLst>
+          </p:cNvPr>
+          <p:cNvPicPr>
+            <a:picLocks noChangeAspect="1"/>
+          </p:cNvPicPr>
+          <p:nvPr/>
+        </p:nvPicPr>
+        <p:blipFill>
+          <a:blip r:embed="rId4"/>
+          <a:stretch>
+            <a:fillRect/>
+          </a:stretch>
+        </p:blipFill>
+        <p:spPr>
+          <a:xfrm>
+            <a:off x="-144508" y="19820"/>
+            <a:ext cx="12469958" cy="6838179"/>
+          </a:xfrm>
+          <a:prstGeom prst="rect">
+            <a:avLst/>
+          </a:prstGeom>
+        </p:spPr>
+      </p:pic>
     </p:spTree>
     <p:extLst>
       <p:ext uri="{BB962C8B-B14F-4D97-AF65-F5344CB8AC3E}">
@@ -5399,7 +5550,37 @@
                   <a:srgbClr val="FFFFFE"/>
                 </a:solidFill>
               </a:rPr>
-              <a:t>The highest rated Whisky was in XXX</a:t>
+              <a:t>The highest rated Whisky was in Italy, however it only had one vote</a:t>
+            </a:r>
+          </a:p>
+          <a:p>
+            <a:pPr>
+              <a:buClr>
+                <a:srgbClr val="AE874D"/>
+              </a:buClr>
+            </a:pPr>
+            <a:r>
+              <a:rPr lang="en-US" dirty="0">
+                <a:solidFill>
+                  <a:srgbClr val="FFFFFE"/>
+                </a:solidFill>
+              </a:rPr>
+              <a:t>United States had the most distilleries </a:t>
+            </a:r>
+          </a:p>
+          <a:p>
+            <a:pPr>
+              <a:buClr>
+                <a:srgbClr val="AE874D"/>
+              </a:buClr>
+            </a:pPr>
+            <a:r>
+              <a:rPr lang="en-US" dirty="0">
+                <a:solidFill>
+                  <a:srgbClr val="FFFFFE"/>
+                </a:solidFill>
+              </a:rPr>
+              <a:t>Scotland had the most reviewed distilleries  </a:t>
             </a:r>
           </a:p>
           <a:p>

--- a/Presentation.pptx
+++ b/Presentation.pptx
@@ -108,7 +108,41 @@
       </a:defRPr>
     </a:lvl9pPr>
   </p:defaultTextStyle>
+  <p:extLst>
+    <p:ext uri="{EFAFB233-063F-42B5-8137-9DF3F51BA10A}">
+      <p15:sldGuideLst xmlns:p15="http://schemas.microsoft.com/office/powerpoint/2012/main"/>
+    </p:ext>
+  </p:extLst>
 </p:presentation>
+</file>
+
+<file path=ppt/changesInfos/changesInfo1.xml><?xml version="1.0" encoding="utf-8"?>
+<pc:chgInfo xmlns:a="http://schemas.openxmlformats.org/drawingml/2006/main" xmlns:r="http://schemas.openxmlformats.org/officeDocument/2006/relationships" xmlns:ac="http://schemas.microsoft.com/office/drawing/2013/main/command" xmlns:pc="http://schemas.microsoft.com/office/powerpoint/2013/main/command">
+  <pc:docChgLst>
+    <pc:chgData name="Vella, Matt (Rivervale) AUS" userId="7f0b4c79-970d-4dba-9fca-4c69ccb8f27c" providerId="ADAL" clId="{D34EA4F5-CF70-4671-BB40-290A1FA825C5}"/>
+    <pc:docChg chg="custSel modSld">
+      <pc:chgData name="Vella, Matt (Rivervale) AUS" userId="7f0b4c79-970d-4dba-9fca-4c69ccb8f27c" providerId="ADAL" clId="{D34EA4F5-CF70-4671-BB40-290A1FA825C5}" dt="2021-07-19T13:41:02.704" v="0" actId="20577"/>
+      <pc:docMkLst>
+        <pc:docMk/>
+      </pc:docMkLst>
+      <pc:sldChg chg="modSp mod">
+        <pc:chgData name="Vella, Matt (Rivervale) AUS" userId="7f0b4c79-970d-4dba-9fca-4c69ccb8f27c" providerId="ADAL" clId="{D34EA4F5-CF70-4671-BB40-290A1FA825C5}" dt="2021-07-19T13:41:02.704" v="0" actId="20577"/>
+        <pc:sldMkLst>
+          <pc:docMk/>
+          <pc:sldMk cId="3284770987" sldId="259"/>
+        </pc:sldMkLst>
+        <pc:spChg chg="mod">
+          <ac:chgData name="Vella, Matt (Rivervale) AUS" userId="7f0b4c79-970d-4dba-9fca-4c69ccb8f27c" providerId="ADAL" clId="{D34EA4F5-CF70-4671-BB40-290A1FA825C5}" dt="2021-07-19T13:41:02.704" v="0" actId="20577"/>
+          <ac:spMkLst>
+            <pc:docMk/>
+            <pc:sldMk cId="3284770987" sldId="259"/>
+            <ac:spMk id="12" creationId="{0CABCAE3-64FC-4149-819F-2C1812824154}"/>
+          </ac:spMkLst>
+        </pc:spChg>
+      </pc:sldChg>
+    </pc:docChg>
+  </pc:docChgLst>
+</pc:chgInfo>
 </file>
 
 <file path=ppt/slideLayouts/slideLayout1.xml><?xml version="1.0" encoding="utf-8"?>
@@ -250,7 +284,7 @@
           <a:p>
             <a:fld id="{48A87A34-81AB-432B-8DAE-1953F412C126}" type="datetimeFigureOut">
               <a:rPr lang="en-US" dirty="0"/>
-              <a:t>7/18/21</a:t>
+              <a:t>7/19/2021</a:t>
             </a:fld>
             <a:endParaRPr lang="en-US" dirty="0"/>
           </a:p>
@@ -456,7 +490,7 @@
           <a:p>
             <a:fld id="{48A87A34-81AB-432B-8DAE-1953F412C126}" type="datetimeFigureOut">
               <a:rPr lang="en-US" dirty="0"/>
-              <a:t>7/18/21</a:t>
+              <a:t>7/19/2021</a:t>
             </a:fld>
             <a:endParaRPr lang="en-US" dirty="0"/>
           </a:p>
@@ -666,7 +700,7 @@
           <a:p>
             <a:fld id="{48A87A34-81AB-432B-8DAE-1953F412C126}" type="datetimeFigureOut">
               <a:rPr lang="en-US" dirty="0"/>
-              <a:t>7/18/21</a:t>
+              <a:t>7/19/2021</a:t>
             </a:fld>
             <a:endParaRPr lang="en-US" dirty="0"/>
           </a:p>
@@ -862,7 +896,7 @@
           <a:p>
             <a:fld id="{48A87A34-81AB-432B-8DAE-1953F412C126}" type="datetimeFigureOut">
               <a:rPr lang="en-US" dirty="0"/>
-              <a:t>7/18/21</a:t>
+              <a:t>7/19/2021</a:t>
             </a:fld>
             <a:endParaRPr lang="en-US" dirty="0"/>
           </a:p>
@@ -1136,7 +1170,7 @@
           <a:p>
             <a:fld id="{48A87A34-81AB-432B-8DAE-1953F412C126}" type="datetimeFigureOut">
               <a:rPr lang="en-US" dirty="0"/>
-              <a:t>7/18/21</a:t>
+              <a:t>7/19/2021</a:t>
             </a:fld>
             <a:endParaRPr lang="en-US" dirty="0"/>
           </a:p>
@@ -1399,7 +1433,7 @@
           <a:p>
             <a:fld id="{48A87A34-81AB-432B-8DAE-1953F412C126}" type="datetimeFigureOut">
               <a:rPr lang="en-US" dirty="0"/>
-              <a:t>7/18/21</a:t>
+              <a:t>7/19/2021</a:t>
             </a:fld>
             <a:endParaRPr lang="en-US" dirty="0"/>
           </a:p>
@@ -1810,7 +1844,7 @@
           <a:p>
             <a:fld id="{48A87A34-81AB-432B-8DAE-1953F412C126}" type="datetimeFigureOut">
               <a:rPr lang="en-US" dirty="0"/>
-              <a:t>7/18/21</a:t>
+              <a:t>7/19/2021</a:t>
             </a:fld>
             <a:endParaRPr lang="en-US" dirty="0"/>
           </a:p>
@@ -1954,7 +1988,7 @@
           <a:p>
             <a:fld id="{48A87A34-81AB-432B-8DAE-1953F412C126}" type="datetimeFigureOut">
               <a:rPr lang="en-US" dirty="0"/>
-              <a:t>7/18/21</a:t>
+              <a:t>7/19/2021</a:t>
             </a:fld>
             <a:endParaRPr lang="en-US" dirty="0"/>
           </a:p>
@@ -2075,7 +2109,7 @@
           <a:p>
             <a:fld id="{48A87A34-81AB-432B-8DAE-1953F412C126}" type="datetimeFigureOut">
               <a:rPr lang="en-US" dirty="0"/>
-              <a:t>7/18/21</a:t>
+              <a:t>7/19/2021</a:t>
             </a:fld>
             <a:endParaRPr lang="en-US" dirty="0"/>
           </a:p>
@@ -2321,7 +2355,7 @@
           <a:p>
             <a:fld id="{48A87A34-81AB-432B-8DAE-1953F412C126}" type="datetimeFigureOut">
               <a:rPr lang="en-US" dirty="0"/>
-              <a:t>7/18/21</a:t>
+              <a:t>7/19/2021</a:t>
             </a:fld>
             <a:endParaRPr lang="en-US" dirty="0"/>
           </a:p>
@@ -2762,7 +2796,7 @@
             <a:fld id="{48A87A34-81AB-432B-8DAE-1953F412C126}" type="datetimeFigureOut">
               <a:rPr lang="en-US" dirty="0"/>
               <a:pPr/>
-              <a:t>7/18/21</a:t>
+              <a:t>7/19/2021</a:t>
             </a:fld>
             <a:endParaRPr lang="en-US" dirty="0"/>
           </a:p>
@@ -3085,7 +3119,7 @@
             <a:fld id="{48A87A34-81AB-432B-8DAE-1953F412C126}" type="datetimeFigureOut">
               <a:rPr lang="en-US" dirty="0"/>
               <a:pPr/>
-              <a:t>7/18/21</a:t>
+              <a:t>7/19/2021</a:t>
             </a:fld>
             <a:endParaRPr lang="en-US" dirty="0"/>
           </a:p>
@@ -4585,6 +4619,13 @@
             <a:schemeClr val="lt1"/>
           </a:fontRef>
         </p:style>
+        <p:txBody>
+          <a:bodyPr/>
+          <a:lstStyle/>
+          <a:p>
+            <a:endParaRPr lang="en-AU"/>
+          </a:p>
+        </p:txBody>
       </p:sp>
       <p:pic>
         <p:nvPicPr>

--- a/Presentation.pptx
+++ b/Presentation.pptx
@@ -6,13 +6,18 @@
   </p:sldMasterIdLst>
   <p:sldIdLst>
     <p:sldId id="256" r:id="rId2"/>
-    <p:sldId id="257" r:id="rId3"/>
-    <p:sldId id="258" r:id="rId4"/>
-    <p:sldId id="259" r:id="rId5"/>
-    <p:sldId id="260" r:id="rId6"/>
+    <p:sldId id="262" r:id="rId3"/>
+    <p:sldId id="257" r:id="rId4"/>
+    <p:sldId id="258" r:id="rId5"/>
+    <p:sldId id="259" r:id="rId6"/>
+    <p:sldId id="260" r:id="rId7"/>
+    <p:sldId id="261" r:id="rId8"/>
   </p:sldIdLst>
   <p:sldSz cx="12192000" cy="6858000"/>
   <p:notesSz cx="6858000" cy="9144000"/>
+  <p:custDataLst>
+    <p:tags r:id="rId9"/>
+  </p:custDataLst>
   <p:defaultTextStyle>
     <a:defPPr>
       <a:defRPr lang="en-US"/>
@@ -116,30 +121,637 @@
 </p:presentation>
 </file>
 
+<file path=ppt/revisionInfo.xml><?xml version="1.0" encoding="utf-8"?>
+<p1510:revInfo xmlns:a="http://schemas.openxmlformats.org/drawingml/2006/main" xmlns:r="http://schemas.openxmlformats.org/officeDocument/2006/relationships" xmlns:p1510="http://schemas.microsoft.com/office/powerpoint/2015/10/main">
+  <p1510:revLst>
+    <p1510:client id="{D34EA4F5-CF70-4671-BB40-290A1FA825C5}" v="699" dt="2021-07-20T13:27:00.843"/>
+  </p1510:revLst>
+</p1510:revInfo>
+</file>
+
 <file path=ppt/changesInfos/changesInfo1.xml><?xml version="1.0" encoding="utf-8"?>
 <pc:chgInfo xmlns:a="http://schemas.openxmlformats.org/drawingml/2006/main" xmlns:r="http://schemas.openxmlformats.org/officeDocument/2006/relationships" xmlns:ac="http://schemas.microsoft.com/office/drawing/2013/main/command" xmlns:pc="http://schemas.microsoft.com/office/powerpoint/2013/main/command">
   <pc:docChgLst>
     <pc:chgData name="Vella, Matt (Rivervale) AUS" userId="7f0b4c79-970d-4dba-9fca-4c69ccb8f27c" providerId="ADAL" clId="{D34EA4F5-CF70-4671-BB40-290A1FA825C5}"/>
-    <pc:docChg chg="custSel modSld">
-      <pc:chgData name="Vella, Matt (Rivervale) AUS" userId="7f0b4c79-970d-4dba-9fca-4c69ccb8f27c" providerId="ADAL" clId="{D34EA4F5-CF70-4671-BB40-290A1FA825C5}" dt="2021-07-19T13:41:02.704" v="0" actId="20577"/>
+    <pc:docChg chg="undo redo custSel addSld delSld modSld modMainMaster">
+      <pc:chgData name="Vella, Matt (Rivervale) AUS" userId="7f0b4c79-970d-4dba-9fca-4c69ccb8f27c" providerId="ADAL" clId="{D34EA4F5-CF70-4671-BB40-290A1FA825C5}" dt="2021-07-20T13:26:56.118" v="2456"/>
       <pc:docMkLst>
         <pc:docMk/>
       </pc:docMkLst>
       <pc:sldChg chg="modSp mod">
-        <pc:chgData name="Vella, Matt (Rivervale) AUS" userId="7f0b4c79-970d-4dba-9fca-4c69ccb8f27c" providerId="ADAL" clId="{D34EA4F5-CF70-4671-BB40-290A1FA825C5}" dt="2021-07-19T13:41:02.704" v="0" actId="20577"/>
+        <pc:chgData name="Vella, Matt (Rivervale) AUS" userId="7f0b4c79-970d-4dba-9fca-4c69ccb8f27c" providerId="ADAL" clId="{D34EA4F5-CF70-4671-BB40-290A1FA825C5}" dt="2021-07-20T13:01:19.787" v="525" actId="20577"/>
+        <pc:sldMkLst>
+          <pc:docMk/>
+          <pc:sldMk cId="1975636416" sldId="257"/>
+        </pc:sldMkLst>
+        <pc:spChg chg="mod">
+          <ac:chgData name="Vella, Matt (Rivervale) AUS" userId="7f0b4c79-970d-4dba-9fca-4c69ccb8f27c" providerId="ADAL" clId="{D34EA4F5-CF70-4671-BB40-290A1FA825C5}" dt="2021-07-20T13:01:19.787" v="525" actId="20577"/>
+          <ac:spMkLst>
+            <pc:docMk/>
+            <pc:sldMk cId="1975636416" sldId="257"/>
+            <ac:spMk id="3" creationId="{FFD077DB-61BE-D545-AB6F-33A858A1F900}"/>
+          </ac:spMkLst>
+        </pc:spChg>
+      </pc:sldChg>
+      <pc:sldChg chg="modSp mod">
+        <pc:chgData name="Vella, Matt (Rivervale) AUS" userId="7f0b4c79-970d-4dba-9fca-4c69ccb8f27c" providerId="ADAL" clId="{D34EA4F5-CF70-4671-BB40-290A1FA825C5}" dt="2021-07-20T13:02:14.275" v="527" actId="20577"/>
+        <pc:sldMkLst>
+          <pc:docMk/>
+          <pc:sldMk cId="3605735444" sldId="258"/>
+        </pc:sldMkLst>
+        <pc:spChg chg="mod">
+          <ac:chgData name="Vella, Matt (Rivervale) AUS" userId="7f0b4c79-970d-4dba-9fca-4c69ccb8f27c" providerId="ADAL" clId="{D34EA4F5-CF70-4671-BB40-290A1FA825C5}" dt="2021-07-20T13:02:14.275" v="527" actId="20577"/>
+          <ac:spMkLst>
+            <pc:docMk/>
+            <pc:sldMk cId="3605735444" sldId="258"/>
+            <ac:spMk id="3" creationId="{77BA2A27-149B-6444-995F-AB52A0471C43}"/>
+          </ac:spMkLst>
+        </pc:spChg>
+      </pc:sldChg>
+      <pc:sldChg chg="addSp delSp modSp mod delDesignElem">
+        <pc:chgData name="Vella, Matt (Rivervale) AUS" userId="7f0b4c79-970d-4dba-9fca-4c69ccb8f27c" providerId="ADAL" clId="{D34EA4F5-CF70-4671-BB40-290A1FA825C5}" dt="2021-07-20T13:26:56.118" v="2456"/>
         <pc:sldMkLst>
           <pc:docMk/>
           <pc:sldMk cId="3284770987" sldId="259"/>
         </pc:sldMkLst>
-        <pc:spChg chg="mod">
-          <ac:chgData name="Vella, Matt (Rivervale) AUS" userId="7f0b4c79-970d-4dba-9fca-4c69ccb8f27c" providerId="ADAL" clId="{D34EA4F5-CF70-4671-BB40-290A1FA825C5}" dt="2021-07-19T13:41:02.704" v="0" actId="20577"/>
+        <pc:spChg chg="mod ord">
+          <ac:chgData name="Vella, Matt (Rivervale) AUS" userId="7f0b4c79-970d-4dba-9fca-4c69ccb8f27c" providerId="ADAL" clId="{D34EA4F5-CF70-4671-BB40-290A1FA825C5}" dt="2021-07-20T13:26:55.738" v="2417" actId="948"/>
+          <ac:spMkLst>
+            <pc:docMk/>
+            <pc:sldMk cId="3284770987" sldId="259"/>
+            <ac:spMk id="2" creationId="{6286FC3A-AD00-584E-8A59-79637B14BE52}"/>
+          </ac:spMkLst>
+        </pc:spChg>
+        <pc:spChg chg="mod ord">
+          <ac:chgData name="Vella, Matt (Rivervale) AUS" userId="7f0b4c79-970d-4dba-9fca-4c69ccb8f27c" providerId="ADAL" clId="{D34EA4F5-CF70-4671-BB40-290A1FA825C5}" dt="2021-07-20T13:26:55.214" v="2416" actId="1036"/>
+          <ac:spMkLst>
+            <pc:docMk/>
+            <pc:sldMk cId="3284770987" sldId="259"/>
+            <ac:spMk id="3" creationId="{14499A12-F068-3547-964B-56759BA59D53}"/>
+          </ac:spMkLst>
+        </pc:spChg>
+        <pc:spChg chg="add del mod modVis">
+          <ac:chgData name="Vella, Matt (Rivervale) AUS" userId="7f0b4c79-970d-4dba-9fca-4c69ccb8f27c" providerId="ADAL" clId="{D34EA4F5-CF70-4671-BB40-290A1FA825C5}" dt="2021-07-20T12:58:08.837" v="182"/>
+          <ac:spMkLst>
+            <pc:docMk/>
+            <pc:sldMk cId="3284770987" sldId="259"/>
+            <ac:spMk id="6" creationId="{ABD1D409-30C9-4AE0-9268-BFA9BE9DD535}"/>
+          </ac:spMkLst>
+        </pc:spChg>
+        <pc:spChg chg="add del mod modVis">
+          <ac:chgData name="Vella, Matt (Rivervale) AUS" userId="7f0b4c79-970d-4dba-9fca-4c69ccb8f27c" providerId="ADAL" clId="{D34EA4F5-CF70-4671-BB40-290A1FA825C5}" dt="2021-07-20T12:58:10.027" v="227"/>
+          <ac:spMkLst>
+            <pc:docMk/>
+            <pc:sldMk cId="3284770987" sldId="259"/>
+            <ac:spMk id="8" creationId="{995A32D7-70B0-40F2-B75E-F8BED794A4E6}"/>
+          </ac:spMkLst>
+        </pc:spChg>
+        <pc:spChg chg="add del mod modVis">
+          <ac:chgData name="Vella, Matt (Rivervale) AUS" userId="7f0b4c79-970d-4dba-9fca-4c69ccb8f27c" providerId="ADAL" clId="{D34EA4F5-CF70-4671-BB40-290A1FA825C5}" dt="2021-07-20T12:58:11.569" v="271"/>
+          <ac:spMkLst>
+            <pc:docMk/>
+            <pc:sldMk cId="3284770987" sldId="259"/>
+            <ac:spMk id="9" creationId="{EBAB9402-0D24-45D6-AF26-D95A17C295C0}"/>
+          </ac:spMkLst>
+        </pc:spChg>
+        <pc:spChg chg="add del mod ord">
+          <ac:chgData name="Vella, Matt (Rivervale) AUS" userId="7f0b4c79-970d-4dba-9fca-4c69ccb8f27c" providerId="ADAL" clId="{D34EA4F5-CF70-4671-BB40-290A1FA825C5}" dt="2021-07-20T13:26:24.559" v="2288"/>
           <ac:spMkLst>
             <pc:docMk/>
             <pc:sldMk cId="3284770987" sldId="259"/>
             <ac:spMk id="12" creationId="{0CABCAE3-64FC-4149-819F-2C1812824154}"/>
           </ac:spMkLst>
         </pc:spChg>
+        <pc:spChg chg="add del mod modVis">
+          <ac:chgData name="Vella, Matt (Rivervale) AUS" userId="7f0b4c79-970d-4dba-9fca-4c69ccb8f27c" providerId="ADAL" clId="{D34EA4F5-CF70-4671-BB40-290A1FA825C5}" dt="2021-07-20T13:24:56.220" v="1771"/>
+          <ac:spMkLst>
+            <pc:docMk/>
+            <pc:sldMk cId="3284770987" sldId="259"/>
+            <ac:spMk id="13" creationId="{68E01C02-D6D1-4CF6-811D-92007F3BFD76}"/>
+          </ac:spMkLst>
+        </pc:spChg>
+        <pc:spChg chg="add del mod modVis">
+          <ac:chgData name="Vella, Matt (Rivervale) AUS" userId="7f0b4c79-970d-4dba-9fca-4c69ccb8f27c" providerId="ADAL" clId="{D34EA4F5-CF70-4671-BB40-290A1FA825C5}" dt="2021-07-20T13:24:53.860" v="1655"/>
+          <ac:spMkLst>
+            <pc:docMk/>
+            <pc:sldMk cId="3284770987" sldId="259"/>
+            <ac:spMk id="15" creationId="{8B063AAD-7EDF-47B3-A137-7225FF1A11A6}"/>
+          </ac:spMkLst>
+        </pc:spChg>
+        <pc:spChg chg="add del mod modVis">
+          <ac:chgData name="Vella, Matt (Rivervale) AUS" userId="7f0b4c79-970d-4dba-9fca-4c69ccb8f27c" providerId="ADAL" clId="{D34EA4F5-CF70-4671-BB40-290A1FA825C5}" dt="2021-07-20T13:24:56.220" v="1771"/>
+          <ac:spMkLst>
+            <pc:docMk/>
+            <pc:sldMk cId="3284770987" sldId="259"/>
+            <ac:spMk id="17" creationId="{13201614-6BED-468E-8A20-510B60B74773}"/>
+          </ac:spMkLst>
+        </pc:spChg>
+        <pc:spChg chg="add del mod modVis">
+          <ac:chgData name="Vella, Matt (Rivervale) AUS" userId="7f0b4c79-970d-4dba-9fca-4c69ccb8f27c" providerId="ADAL" clId="{D34EA4F5-CF70-4671-BB40-290A1FA825C5}" dt="2021-07-20T13:25:12.915" v="2004" actId="478"/>
+          <ac:spMkLst>
+            <pc:docMk/>
+            <pc:sldMk cId="3284770987" sldId="259"/>
+            <ac:spMk id="19" creationId="{76A14206-8D9B-4C2C-BDD8-11903A030D40}"/>
+          </ac:spMkLst>
+        </pc:spChg>
+        <pc:spChg chg="add del mod ord">
+          <ac:chgData name="Vella, Matt (Rivervale) AUS" userId="7f0b4c79-970d-4dba-9fca-4c69ccb8f27c" providerId="ADAL" clId="{D34EA4F5-CF70-4671-BB40-290A1FA825C5}" dt="2021-07-20T13:26:24.559" v="2288"/>
+          <ac:spMkLst>
+            <pc:docMk/>
+            <pc:sldMk cId="3284770987" sldId="259"/>
+            <ac:spMk id="20" creationId="{8BC298DB-2D5C-40A1-9A78-6B4A12198A9B}"/>
+          </ac:spMkLst>
+        </pc:spChg>
+        <pc:spChg chg="add del mod ord">
+          <ac:chgData name="Vella, Matt (Rivervale) AUS" userId="7f0b4c79-970d-4dba-9fca-4c69ccb8f27c" providerId="ADAL" clId="{D34EA4F5-CF70-4671-BB40-290A1FA825C5}" dt="2021-07-20T13:26:24.559" v="2288"/>
+          <ac:spMkLst>
+            <pc:docMk/>
+            <pc:sldMk cId="3284770987" sldId="259"/>
+            <ac:spMk id="22" creationId="{35C2355B-7CE9-4192-9142-A41CA0A0C08B}"/>
+          </ac:spMkLst>
+        </pc:spChg>
+        <pc:spChg chg="add del mod ord modVis">
+          <ac:chgData name="Vella, Matt (Rivervale) AUS" userId="7f0b4c79-970d-4dba-9fca-4c69ccb8f27c" providerId="ADAL" clId="{D34EA4F5-CF70-4671-BB40-290A1FA825C5}" dt="2021-07-20T13:26:05.741" v="2128" actId="962"/>
+          <ac:spMkLst>
+            <pc:docMk/>
+            <pc:sldMk cId="3284770987" sldId="259"/>
+            <ac:spMk id="25" creationId="{A411AF04-3D55-44C7-B415-7F4EAC29027B}"/>
+          </ac:spMkLst>
+        </pc:spChg>
+        <pc:spChg chg="add del mod ord modVis">
+          <ac:chgData name="Vella, Matt (Rivervale) AUS" userId="7f0b4c79-970d-4dba-9fca-4c69ccb8f27c" providerId="ADAL" clId="{D34EA4F5-CF70-4671-BB40-290A1FA825C5}" dt="2021-07-20T13:26:10.624" v="2197"/>
+          <ac:spMkLst>
+            <pc:docMk/>
+            <pc:sldMk cId="3284770987" sldId="259"/>
+            <ac:spMk id="27" creationId="{D33427B4-AB78-42E6-9D21-4A7E14705D33}"/>
+          </ac:spMkLst>
+        </pc:spChg>
+        <pc:spChg chg="add del mod modVis">
+          <ac:chgData name="Vella, Matt (Rivervale) AUS" userId="7f0b4c79-970d-4dba-9fca-4c69ccb8f27c" providerId="ADAL" clId="{D34EA4F5-CF70-4671-BB40-290A1FA825C5}" dt="2021-07-20T13:26:41.958" v="2352"/>
+          <ac:spMkLst>
+            <pc:docMk/>
+            <pc:sldMk cId="3284770987" sldId="259"/>
+            <ac:spMk id="29" creationId="{FA624DBF-E60E-4F23-9DA2-98A84FC78CBC}"/>
+          </ac:spMkLst>
+        </pc:spChg>
+        <pc:spChg chg="add del mod modVis">
+          <ac:chgData name="Vella, Matt (Rivervale) AUS" userId="7f0b4c79-970d-4dba-9fca-4c69ccb8f27c" providerId="ADAL" clId="{D34EA4F5-CF70-4671-BB40-290A1FA825C5}" dt="2021-07-20T13:26:54.577" v="2397"/>
+          <ac:spMkLst>
+            <pc:docMk/>
+            <pc:sldMk cId="3284770987" sldId="259"/>
+            <ac:spMk id="30" creationId="{378D865C-E1E1-43E5-B992-034D9611F4B4}"/>
+          </ac:spMkLst>
+        </pc:spChg>
+        <pc:spChg chg="add del mod modVis">
+          <ac:chgData name="Vella, Matt (Rivervale) AUS" userId="7f0b4c79-970d-4dba-9fca-4c69ccb8f27c" providerId="ADAL" clId="{D34EA4F5-CF70-4671-BB40-290A1FA825C5}" dt="2021-07-20T13:26:56.106" v="2454"/>
+          <ac:spMkLst>
+            <pc:docMk/>
+            <pc:sldMk cId="3284770987" sldId="259"/>
+            <ac:spMk id="31" creationId="{080F5306-2C46-48CD-86FB-BB50EBB61DAF}"/>
+          </ac:spMkLst>
+        </pc:spChg>
+        <pc:graphicFrameChg chg="add mod ord modVis">
+          <ac:chgData name="Vella, Matt (Rivervale) AUS" userId="7f0b4c79-970d-4dba-9fca-4c69ccb8f27c" providerId="ADAL" clId="{D34EA4F5-CF70-4671-BB40-290A1FA825C5}" dt="2021-07-20T13:26:56.118" v="2456"/>
+          <ac:graphicFrameMkLst>
+            <pc:docMk/>
+            <pc:sldMk cId="3284770987" sldId="259"/>
+            <ac:graphicFrameMk id="4" creationId="{89EBA8B9-6ADF-465B-872A-65D8C9868555}"/>
+          </ac:graphicFrameMkLst>
+        </pc:graphicFrameChg>
+        <pc:picChg chg="del">
+          <ac:chgData name="Vella, Matt (Rivervale) AUS" userId="7f0b4c79-970d-4dba-9fca-4c69ccb8f27c" providerId="ADAL" clId="{D34EA4F5-CF70-4671-BB40-290A1FA825C5}" dt="2021-07-20T12:57:35.690" v="62" actId="478"/>
+          <ac:picMkLst>
+            <pc:docMk/>
+            <pc:sldMk cId="3284770987" sldId="259"/>
+            <ac:picMk id="5" creationId="{21061D96-9100-AF49-9CC9-7E3236B5B972}"/>
+          </ac:picMkLst>
+        </pc:picChg>
+        <pc:picChg chg="del">
+          <ac:chgData name="Vella, Matt (Rivervale) AUS" userId="7f0b4c79-970d-4dba-9fca-4c69ccb8f27c" providerId="ADAL" clId="{D34EA4F5-CF70-4671-BB40-290A1FA825C5}" dt="2021-07-20T13:19:44.854" v="1355" actId="478"/>
+          <ac:picMkLst>
+            <pc:docMk/>
+            <pc:sldMk cId="3284770987" sldId="259"/>
+            <ac:picMk id="7" creationId="{F1377BC1-0531-B948-97CB-8E49710E046C}"/>
+          </ac:picMkLst>
+        </pc:picChg>
+        <pc:picChg chg="add del mod ord">
+          <ac:chgData name="Vella, Matt (Rivervale) AUS" userId="7f0b4c79-970d-4dba-9fca-4c69ccb8f27c" providerId="ADAL" clId="{D34EA4F5-CF70-4671-BB40-290A1FA825C5}" dt="2021-07-20T13:25:42.883" v="2008" actId="478"/>
+          <ac:picMkLst>
+            <pc:docMk/>
+            <pc:sldMk cId="3284770987" sldId="259"/>
+            <ac:picMk id="11" creationId="{3674C4F8-E0F3-40C3-A7A5-7D59942B4C71}"/>
+          </ac:picMkLst>
+        </pc:picChg>
+        <pc:picChg chg="add del mod ord">
+          <ac:chgData name="Vella, Matt (Rivervale) AUS" userId="7f0b4c79-970d-4dba-9fca-4c69ccb8f27c" providerId="ADAL" clId="{D34EA4F5-CF70-4671-BB40-290A1FA825C5}" dt="2021-07-20T13:26:24.559" v="2288"/>
+          <ac:picMkLst>
+            <pc:docMk/>
+            <pc:sldMk cId="3284770987" sldId="259"/>
+            <ac:picMk id="14" creationId="{012FDCFE-9AD2-4D8A-8CBF-B3AA37EBF6DD}"/>
+          </ac:picMkLst>
+        </pc:picChg>
+        <pc:picChg chg="add mod ord">
+          <ac:chgData name="Vella, Matt (Rivervale) AUS" userId="7f0b4c79-970d-4dba-9fca-4c69ccb8f27c" providerId="ADAL" clId="{D34EA4F5-CF70-4671-BB40-290A1FA825C5}" dt="2021-07-20T13:26:35.893" v="2307"/>
+          <ac:picMkLst>
+            <pc:docMk/>
+            <pc:sldMk cId="3284770987" sldId="259"/>
+            <ac:picMk id="23" creationId="{596DEEAF-8F92-4BCD-B81A-EAE62871DDC0}"/>
+          </ac:picMkLst>
+        </pc:picChg>
+        <pc:picChg chg="add del mod ord">
+          <ac:chgData name="Vella, Matt (Rivervale) AUS" userId="7f0b4c79-970d-4dba-9fca-4c69ccb8f27c" providerId="ADAL" clId="{D34EA4F5-CF70-4671-BB40-290A1FA825C5}" dt="2021-07-20T13:26:24.559" v="2288"/>
+          <ac:picMkLst>
+            <pc:docMk/>
+            <pc:sldMk cId="3284770987" sldId="259"/>
+            <ac:picMk id="26" creationId="{45CE2E7C-6AA3-4710-825D-4CDDF788C7BC}"/>
+          </ac:picMkLst>
+        </pc:picChg>
+        <pc:cxnChg chg="add del mod ord">
+          <ac:chgData name="Vella, Matt (Rivervale) AUS" userId="7f0b4c79-970d-4dba-9fca-4c69ccb8f27c" providerId="ADAL" clId="{D34EA4F5-CF70-4671-BB40-290A1FA825C5}" dt="2021-07-20T13:26:24.559" v="2288"/>
+          <ac:cxnSpMkLst>
+            <pc:docMk/>
+            <pc:sldMk cId="3284770987" sldId="259"/>
+            <ac:cxnSpMk id="16" creationId="{FBD463FC-4CA8-4FF4-85A3-AF9F4B98D210}"/>
+          </ac:cxnSpMkLst>
+        </pc:cxnChg>
+        <pc:cxnChg chg="add del mod ord">
+          <ac:chgData name="Vella, Matt (Rivervale) AUS" userId="7f0b4c79-970d-4dba-9fca-4c69ccb8f27c" providerId="ADAL" clId="{D34EA4F5-CF70-4671-BB40-290A1FA825C5}" dt="2021-07-20T13:26:24.559" v="2288"/>
+          <ac:cxnSpMkLst>
+            <pc:docMk/>
+            <pc:sldMk cId="3284770987" sldId="259"/>
+            <ac:cxnSpMk id="18" creationId="{BECF35C3-8B44-4F4B-BD25-4C01823DB22A}"/>
+          </ac:cxnSpMkLst>
+        </pc:cxnChg>
+        <pc:cxnChg chg="add del mod ord">
+          <ac:chgData name="Vella, Matt (Rivervale) AUS" userId="7f0b4c79-970d-4dba-9fca-4c69ccb8f27c" providerId="ADAL" clId="{D34EA4F5-CF70-4671-BB40-290A1FA825C5}" dt="2021-07-20T13:26:24.559" v="2288"/>
+          <ac:cxnSpMkLst>
+            <pc:docMk/>
+            <pc:sldMk cId="3284770987" sldId="259"/>
+            <ac:cxnSpMk id="24" creationId="{06D05ED8-39E4-42F8-92CB-704C2BD0D215}"/>
+          </ac:cxnSpMkLst>
+        </pc:cxnChg>
+        <pc:cxnChg chg="add del mod ord">
+          <ac:chgData name="Vella, Matt (Rivervale) AUS" userId="7f0b4c79-970d-4dba-9fca-4c69ccb8f27c" providerId="ADAL" clId="{D34EA4F5-CF70-4671-BB40-290A1FA825C5}" dt="2021-07-20T13:26:24.559" v="2288"/>
+          <ac:cxnSpMkLst>
+            <pc:docMk/>
+            <pc:sldMk cId="3284770987" sldId="259"/>
+            <ac:cxnSpMk id="28" creationId="{3256C6C3-0EDC-4651-AB37-9F26CFAA6C86}"/>
+          </ac:cxnSpMkLst>
+        </pc:cxnChg>
       </pc:sldChg>
+      <pc:sldChg chg="addSp modSp mod">
+        <pc:chgData name="Vella, Matt (Rivervale) AUS" userId="7f0b4c79-970d-4dba-9fca-4c69ccb8f27c" providerId="ADAL" clId="{D34EA4F5-CF70-4671-BB40-290A1FA825C5}" dt="2021-07-20T13:23:08.841" v="1592" actId="1076"/>
+        <pc:sldMkLst>
+          <pc:docMk/>
+          <pc:sldMk cId="2445476889" sldId="260"/>
+        </pc:sldMkLst>
+        <pc:spChg chg="mod">
+          <ac:chgData name="Vella, Matt (Rivervale) AUS" userId="7f0b4c79-970d-4dba-9fca-4c69ccb8f27c" providerId="ADAL" clId="{D34EA4F5-CF70-4671-BB40-290A1FA825C5}" dt="2021-07-20T13:04:30.208" v="576" actId="948"/>
+          <ac:spMkLst>
+            <pc:docMk/>
+            <pc:sldMk cId="2445476889" sldId="260"/>
+            <ac:spMk id="2" creationId="{58D09449-FF1C-8B40-8F4F-12A161CADF3A}"/>
+          </ac:spMkLst>
+        </pc:spChg>
+        <pc:spChg chg="mod">
+          <ac:chgData name="Vella, Matt (Rivervale) AUS" userId="7f0b4c79-970d-4dba-9fca-4c69ccb8f27c" providerId="ADAL" clId="{D34EA4F5-CF70-4671-BB40-290A1FA825C5}" dt="2021-07-20T13:04:22.863" v="574" actId="20577"/>
+          <ac:spMkLst>
+            <pc:docMk/>
+            <pc:sldMk cId="2445476889" sldId="260"/>
+            <ac:spMk id="3" creationId="{45193FB7-94A1-0548-A604-84764B1A1938}"/>
+          </ac:spMkLst>
+        </pc:spChg>
+        <pc:graphicFrameChg chg="add mod ord modVis">
+          <ac:chgData name="Vella, Matt (Rivervale) AUS" userId="7f0b4c79-970d-4dba-9fca-4c69ccb8f27c" providerId="ADAL" clId="{D34EA4F5-CF70-4671-BB40-290A1FA825C5}" dt="2021-07-20T13:04:30.343" v="591"/>
+          <ac:graphicFrameMkLst>
+            <pc:docMk/>
+            <pc:sldMk cId="2445476889" sldId="260"/>
+            <ac:graphicFrameMk id="4" creationId="{66DEF727-79B1-4CE2-AA6B-E424C00C13D9}"/>
+          </ac:graphicFrameMkLst>
+        </pc:graphicFrameChg>
+        <pc:picChg chg="mod">
+          <ac:chgData name="Vella, Matt (Rivervale) AUS" userId="7f0b4c79-970d-4dba-9fca-4c69ccb8f27c" providerId="ADAL" clId="{D34EA4F5-CF70-4671-BB40-290A1FA825C5}" dt="2021-07-20T13:23:08.841" v="1592" actId="1076"/>
+          <ac:picMkLst>
+            <pc:docMk/>
+            <pc:sldMk cId="2445476889" sldId="260"/>
+            <ac:picMk id="5" creationId="{A066FB0A-762E-A149-B90D-957CBB5905E8}"/>
+          </ac:picMkLst>
+        </pc:picChg>
+      </pc:sldChg>
+      <pc:sldChg chg="addSp delSp modSp add mod setBg">
+        <pc:chgData name="Vella, Matt (Rivervale) AUS" userId="7f0b4c79-970d-4dba-9fca-4c69ccb8f27c" providerId="ADAL" clId="{D34EA4F5-CF70-4671-BB40-290A1FA825C5}" dt="2021-07-20T13:14:52.022" v="1118"/>
+        <pc:sldMkLst>
+          <pc:docMk/>
+          <pc:sldMk cId="3754315581" sldId="261"/>
+        </pc:sldMkLst>
+        <pc:spChg chg="mod ord">
+          <ac:chgData name="Vella, Matt (Rivervale) AUS" userId="7f0b4c79-970d-4dba-9fca-4c69ccb8f27c" providerId="ADAL" clId="{D34EA4F5-CF70-4671-BB40-290A1FA825C5}" dt="2021-07-20T13:14:52.005" v="1112"/>
+          <ac:spMkLst>
+            <pc:docMk/>
+            <pc:sldMk cId="3754315581" sldId="261"/>
+            <ac:spMk id="2" creationId="{58D09449-FF1C-8B40-8F4F-12A161CADF3A}"/>
+          </ac:spMkLst>
+        </pc:spChg>
+        <pc:spChg chg="mod ord">
+          <ac:chgData name="Vella, Matt (Rivervale) AUS" userId="7f0b4c79-970d-4dba-9fca-4c69ccb8f27c" providerId="ADAL" clId="{D34EA4F5-CF70-4671-BB40-290A1FA825C5}" dt="2021-07-20T13:14:52.013" v="1116"/>
+          <ac:spMkLst>
+            <pc:docMk/>
+            <pc:sldMk cId="3754315581" sldId="261"/>
+            <ac:spMk id="3" creationId="{45193FB7-94A1-0548-A604-84764B1A1938}"/>
+          </ac:spMkLst>
+        </pc:spChg>
+        <pc:spChg chg="add del mod modVis">
+          <ac:chgData name="Vella, Matt (Rivervale) AUS" userId="7f0b4c79-970d-4dba-9fca-4c69ccb8f27c" providerId="ADAL" clId="{D34EA4F5-CF70-4671-BB40-290A1FA825C5}" dt="2021-07-20T13:04:37.808" v="640"/>
+          <ac:spMkLst>
+            <pc:docMk/>
+            <pc:sldMk cId="3754315581" sldId="261"/>
+            <ac:spMk id="6" creationId="{5090A3CE-A80D-4125-B189-7BC55F951A9E}"/>
+          </ac:spMkLst>
+        </pc:spChg>
+        <pc:spChg chg="mod ord">
+          <ac:chgData name="Vella, Matt (Rivervale) AUS" userId="7f0b4c79-970d-4dba-9fca-4c69ccb8f27c" providerId="ADAL" clId="{D34EA4F5-CF70-4671-BB40-290A1FA825C5}" dt="2021-07-20T13:14:52" v="1110"/>
+          <ac:spMkLst>
+            <pc:docMk/>
+            <pc:sldMk cId="3754315581" sldId="261"/>
+            <ac:spMk id="10" creationId="{368B8211-0B9F-4516-8771-3316E00DB965}"/>
+          </ac:spMkLst>
+        </pc:spChg>
+        <pc:graphicFrameChg chg="mod ord">
+          <ac:chgData name="Vella, Matt (Rivervale) AUS" userId="7f0b4c79-970d-4dba-9fca-4c69ccb8f27c" providerId="ADAL" clId="{D34EA4F5-CF70-4671-BB40-290A1FA825C5}" dt="2021-07-20T13:14:52.022" v="1118"/>
+          <ac:graphicFrameMkLst>
+            <pc:docMk/>
+            <pc:sldMk cId="3754315581" sldId="261"/>
+            <ac:graphicFrameMk id="4" creationId="{66DEF727-79B1-4CE2-AA6B-E424C00C13D9}"/>
+          </ac:graphicFrameMkLst>
+        </pc:graphicFrameChg>
+        <pc:picChg chg="add del">
+          <ac:chgData name="Vella, Matt (Rivervale) AUS" userId="7f0b4c79-970d-4dba-9fca-4c69ccb8f27c" providerId="ADAL" clId="{D34EA4F5-CF70-4671-BB40-290A1FA825C5}" dt="2021-07-20T13:14:06.219" v="1055" actId="478"/>
+          <ac:picMkLst>
+            <pc:docMk/>
+            <pc:sldMk cId="3754315581" sldId="261"/>
+            <ac:picMk id="5" creationId="{A066FB0A-762E-A149-B90D-957CBB5905E8}"/>
+          </ac:picMkLst>
+        </pc:picChg>
+        <pc:picChg chg="add mod ord">
+          <ac:chgData name="Vella, Matt (Rivervale) AUS" userId="7f0b4c79-970d-4dba-9fca-4c69ccb8f27c" providerId="ADAL" clId="{D34EA4F5-CF70-4671-BB40-290A1FA825C5}" dt="2021-07-20T13:14:51.995" v="1108"/>
+          <ac:picMkLst>
+            <pc:docMk/>
+            <pc:sldMk cId="3754315581" sldId="261"/>
+            <ac:picMk id="8" creationId="{05E4CF82-E05E-496A-A7D0-C6C47AC7192A}"/>
+          </ac:picMkLst>
+        </pc:picChg>
+        <pc:cxnChg chg="mod ord">
+          <ac:chgData name="Vella, Matt (Rivervale) AUS" userId="7f0b4c79-970d-4dba-9fca-4c69ccb8f27c" providerId="ADAL" clId="{D34EA4F5-CF70-4671-BB40-290A1FA825C5}" dt="2021-07-20T13:14:52.010" v="1114"/>
+          <ac:cxnSpMkLst>
+            <pc:docMk/>
+            <pc:sldMk cId="3754315581" sldId="261"/>
+            <ac:cxnSpMk id="12" creationId="{B7582E73-8B46-4A0E-944E-58357C80883F}"/>
+          </ac:cxnSpMkLst>
+        </pc:cxnChg>
+      </pc:sldChg>
+      <pc:sldChg chg="addSp delSp modSp add mod setBg delDesignElem">
+        <pc:chgData name="Vella, Matt (Rivervale) AUS" userId="7f0b4c79-970d-4dba-9fca-4c69ccb8f27c" providerId="ADAL" clId="{D34EA4F5-CF70-4671-BB40-290A1FA825C5}" dt="2021-07-20T13:18:32.091" v="1354" actId="1076"/>
+        <pc:sldMkLst>
+          <pc:docMk/>
+          <pc:sldMk cId="69536783" sldId="262"/>
+        </pc:sldMkLst>
+        <pc:spChg chg="add del mod ord">
+          <ac:chgData name="Vella, Matt (Rivervale) AUS" userId="7f0b4c79-970d-4dba-9fca-4c69ccb8f27c" providerId="ADAL" clId="{D34EA4F5-CF70-4671-BB40-290A1FA825C5}" dt="2021-07-20T13:16:56.159" v="1317"/>
+          <ac:spMkLst>
+            <pc:docMk/>
+            <pc:sldMk cId="69536783" sldId="262"/>
+            <ac:spMk id="2" creationId="{1BC9B49F-4DEA-6A45-BB49-CFBE4323FBB4}"/>
+          </ac:spMkLst>
+        </pc:spChg>
+        <pc:spChg chg="del">
+          <ac:chgData name="Vella, Matt (Rivervale) AUS" userId="7f0b4c79-970d-4dba-9fca-4c69ccb8f27c" providerId="ADAL" clId="{D34EA4F5-CF70-4671-BB40-290A1FA825C5}" dt="2021-07-20T13:15:23.335" v="1123" actId="478"/>
+          <ac:spMkLst>
+            <pc:docMk/>
+            <pc:sldMk cId="69536783" sldId="262"/>
+            <ac:spMk id="3" creationId="{FFD077DB-61BE-D545-AB6F-33A858A1F900}"/>
+          </ac:spMkLst>
+        </pc:spChg>
+        <pc:spChg chg="add del mod">
+          <ac:chgData name="Vella, Matt (Rivervale) AUS" userId="7f0b4c79-970d-4dba-9fca-4c69ccb8f27c" providerId="ADAL" clId="{D34EA4F5-CF70-4671-BB40-290A1FA825C5}" dt="2021-07-20T13:15:37.629" v="1151" actId="478"/>
+          <ac:spMkLst>
+            <pc:docMk/>
+            <pc:sldMk cId="69536783" sldId="262"/>
+            <ac:spMk id="6" creationId="{877EB2B8-09F7-4F68-9616-88E3EB209087}"/>
+          </ac:spMkLst>
+        </pc:spChg>
+        <pc:spChg chg="add del mod">
+          <ac:chgData name="Vella, Matt (Rivervale) AUS" userId="7f0b4c79-970d-4dba-9fca-4c69ccb8f27c" providerId="ADAL" clId="{D34EA4F5-CF70-4671-BB40-290A1FA825C5}" dt="2021-07-20T13:15:35.216" v="1150" actId="478"/>
+          <ac:spMkLst>
+            <pc:docMk/>
+            <pc:sldMk cId="69536783" sldId="262"/>
+            <ac:spMk id="8" creationId="{E5EC9506-613E-46E6-B40E-1FDF5773C0FF}"/>
+          </ac:spMkLst>
+        </pc:spChg>
+        <pc:spChg chg="del">
+          <ac:chgData name="Vella, Matt (Rivervale) AUS" userId="7f0b4c79-970d-4dba-9fca-4c69ccb8f27c" providerId="ADAL" clId="{D34EA4F5-CF70-4671-BB40-290A1FA825C5}" dt="2021-07-20T13:15:16.230" v="1122"/>
+          <ac:spMkLst>
+            <pc:docMk/>
+            <pc:sldMk cId="69536783" sldId="262"/>
+            <ac:spMk id="10" creationId="{F2AF0D79-4A1A-4F27-B9F0-CF252C4AC91C}"/>
+          </ac:spMkLst>
+        </pc:spChg>
+        <pc:spChg chg="add del mod modVis">
+          <ac:chgData name="Vella, Matt (Rivervale) AUS" userId="7f0b4c79-970d-4dba-9fca-4c69ccb8f27c" providerId="ADAL" clId="{D34EA4F5-CF70-4671-BB40-290A1FA825C5}" dt="2021-07-20T13:15:42.809" v="1194"/>
+          <ac:spMkLst>
+            <pc:docMk/>
+            <pc:sldMk cId="69536783" sldId="262"/>
+            <ac:spMk id="11" creationId="{CAEB828E-2E64-4694-AE47-D378AD3008D2}"/>
+          </ac:spMkLst>
+        </pc:spChg>
+        <pc:spChg chg="add del mod modVis">
+          <ac:chgData name="Vella, Matt (Rivervale) AUS" userId="7f0b4c79-970d-4dba-9fca-4c69ccb8f27c" providerId="ADAL" clId="{D34EA4F5-CF70-4671-BB40-290A1FA825C5}" dt="2021-07-20T13:15:44.562" v="1252"/>
+          <ac:spMkLst>
+            <pc:docMk/>
+            <pc:sldMk cId="69536783" sldId="262"/>
+            <ac:spMk id="14" creationId="{8B0A6DFA-6026-419A-B962-32F67FD61A4B}"/>
+          </ac:spMkLst>
+        </pc:spChg>
+        <pc:spChg chg="add del mod modVis">
+          <ac:chgData name="Vella, Matt (Rivervale) AUS" userId="7f0b4c79-970d-4dba-9fca-4c69ccb8f27c" providerId="ADAL" clId="{D34EA4F5-CF70-4671-BB40-290A1FA825C5}" dt="2021-07-20T13:15:45.959" v="1298"/>
+          <ac:spMkLst>
+            <pc:docMk/>
+            <pc:sldMk cId="69536783" sldId="262"/>
+            <ac:spMk id="15" creationId="{C51895EF-00BD-4C1D-AE8A-6D1EFD1CAC9E}"/>
+          </ac:spMkLst>
+        </pc:spChg>
+        <pc:graphicFrameChg chg="add mod ord modVis">
+          <ac:chgData name="Vella, Matt (Rivervale) AUS" userId="7f0b4c79-970d-4dba-9fca-4c69ccb8f27c" providerId="ADAL" clId="{D34EA4F5-CF70-4671-BB40-290A1FA825C5}" dt="2021-07-20T13:15:35.183" v="1149" actId="14100"/>
+          <ac:graphicFrameMkLst>
+            <pc:docMk/>
+            <pc:sldMk cId="69536783" sldId="262"/>
+            <ac:graphicFrameMk id="9" creationId="{79B01CD8-570E-44FC-8863-920C1B146594}"/>
+          </ac:graphicFrameMkLst>
+        </pc:graphicFrameChg>
+        <pc:graphicFrameChg chg="add mod ord modVis">
+          <ac:chgData name="Vella, Matt (Rivervale) AUS" userId="7f0b4c79-970d-4dba-9fca-4c69ccb8f27c" providerId="ADAL" clId="{D34EA4F5-CF70-4671-BB40-290A1FA825C5}" dt="2021-07-20T13:16:56.169" v="1319"/>
+          <ac:graphicFrameMkLst>
+            <pc:docMk/>
+            <pc:sldMk cId="69536783" sldId="262"/>
+            <ac:graphicFrameMk id="13" creationId="{EE48DB04-1C27-4C3D-8094-11F313554017}"/>
+          </ac:graphicFrameMkLst>
+        </pc:graphicFrameChg>
+        <pc:picChg chg="del">
+          <ac:chgData name="Vella, Matt (Rivervale) AUS" userId="7f0b4c79-970d-4dba-9fca-4c69ccb8f27c" providerId="ADAL" clId="{D34EA4F5-CF70-4671-BB40-290A1FA825C5}" dt="2021-07-20T13:15:26.527" v="1124" actId="478"/>
+          <ac:picMkLst>
+            <pc:docMk/>
+            <pc:sldMk cId="69536783" sldId="262"/>
+            <ac:picMk id="5" creationId="{7084FD14-2088-AF44-9D8B-397EA0237DF6}"/>
+          </ac:picMkLst>
+        </pc:picChg>
+        <pc:picChg chg="add mod ord">
+          <ac:chgData name="Vella, Matt (Rivervale) AUS" userId="7f0b4c79-970d-4dba-9fca-4c69ccb8f27c" providerId="ADAL" clId="{D34EA4F5-CF70-4671-BB40-290A1FA825C5}" dt="2021-07-20T13:17:13.793" v="1323" actId="14100"/>
+          <ac:picMkLst>
+            <pc:docMk/>
+            <pc:sldMk cId="69536783" sldId="262"/>
+            <ac:picMk id="17" creationId="{272E2DAD-0452-4485-B888-C8C1095D02B2}"/>
+          </ac:picMkLst>
+        </pc:picChg>
+        <pc:picChg chg="add mod">
+          <ac:chgData name="Vella, Matt (Rivervale) AUS" userId="7f0b4c79-970d-4dba-9fca-4c69ccb8f27c" providerId="ADAL" clId="{D34EA4F5-CF70-4671-BB40-290A1FA825C5}" dt="2021-07-20T13:18:32.091" v="1354" actId="1076"/>
+          <ac:picMkLst>
+            <pc:docMk/>
+            <pc:sldMk cId="69536783" sldId="262"/>
+            <ac:picMk id="18" creationId="{7B41F5CB-FA9C-46E9-9256-B3030D740CDA}"/>
+          </ac:picMkLst>
+        </pc:picChg>
+        <pc:cxnChg chg="del">
+          <ac:chgData name="Vella, Matt (Rivervale) AUS" userId="7f0b4c79-970d-4dba-9fca-4c69ccb8f27c" providerId="ADAL" clId="{D34EA4F5-CF70-4671-BB40-290A1FA825C5}" dt="2021-07-20T13:15:16.230" v="1122"/>
+          <ac:cxnSpMkLst>
+            <pc:docMk/>
+            <pc:sldMk cId="69536783" sldId="262"/>
+            <ac:cxnSpMk id="12" creationId="{8E83266B-97F8-4AB9-818F-3A70E8D8580D}"/>
+          </ac:cxnSpMkLst>
+        </pc:cxnChg>
+      </pc:sldChg>
+      <pc:sldChg chg="add del">
+        <pc:chgData name="Vella, Matt (Rivervale) AUS" userId="7f0b4c79-970d-4dba-9fca-4c69ccb8f27c" providerId="ADAL" clId="{D34EA4F5-CF70-4671-BB40-290A1FA825C5}" dt="2021-07-20T13:15:13.159" v="1120" actId="47"/>
+        <pc:sldMkLst>
+          <pc:docMk/>
+          <pc:sldMk cId="3350399872" sldId="262"/>
+        </pc:sldMkLst>
+      </pc:sldChg>
+      <pc:sldChg chg="addSp delSp modSp add del mod setBg delDesignElem">
+        <pc:chgData name="Vella, Matt (Rivervale) AUS" userId="7f0b4c79-970d-4dba-9fca-4c69ccb8f27c" providerId="ADAL" clId="{D34EA4F5-CF70-4671-BB40-290A1FA825C5}" dt="2021-07-20T13:24:48.752" v="1614"/>
+        <pc:sldMkLst>
+          <pc:docMk/>
+          <pc:sldMk cId="1332212195" sldId="263"/>
+        </pc:sldMkLst>
+        <pc:spChg chg="add del">
+          <ac:chgData name="Vella, Matt (Rivervale) AUS" userId="7f0b4c79-970d-4dba-9fca-4c69ccb8f27c" providerId="ADAL" clId="{D34EA4F5-CF70-4671-BB40-290A1FA825C5}" dt="2021-07-20T13:24:48.752" v="1614"/>
+          <ac:spMkLst>
+            <pc:docMk/>
+            <pc:sldMk cId="1332212195" sldId="263"/>
+            <ac:spMk id="10" creationId="{F2AF0D79-4A1A-4F27-B9F0-CF252C4AC91C}"/>
+          </ac:spMkLst>
+        </pc:spChg>
+        <pc:picChg chg="add del">
+          <ac:chgData name="Vella, Matt (Rivervale) AUS" userId="7f0b4c79-970d-4dba-9fca-4c69ccb8f27c" providerId="ADAL" clId="{D34EA4F5-CF70-4671-BB40-290A1FA825C5}" dt="2021-07-20T13:24:48.638" v="1613" actId="478"/>
+          <ac:picMkLst>
+            <pc:docMk/>
+            <pc:sldMk cId="1332212195" sldId="263"/>
+            <ac:picMk id="5" creationId="{0238846B-9EB2-4D40-B189-DB77D98B0663}"/>
+          </ac:picMkLst>
+        </pc:picChg>
+        <pc:picChg chg="add del mod">
+          <ac:chgData name="Vella, Matt (Rivervale) AUS" userId="7f0b4c79-970d-4dba-9fca-4c69ccb8f27c" providerId="ADAL" clId="{D34EA4F5-CF70-4671-BB40-290A1FA825C5}" dt="2021-07-20T13:24:47.413" v="1612" actId="931"/>
+          <ac:picMkLst>
+            <pc:docMk/>
+            <pc:sldMk cId="1332212195" sldId="263"/>
+            <ac:picMk id="6" creationId="{A0032789-0BDE-498C-A7B2-58EA7C779E17}"/>
+          </ac:picMkLst>
+        </pc:picChg>
+        <pc:cxnChg chg="add del">
+          <ac:chgData name="Vella, Matt (Rivervale) AUS" userId="7f0b4c79-970d-4dba-9fca-4c69ccb8f27c" providerId="ADAL" clId="{D34EA4F5-CF70-4671-BB40-290A1FA825C5}" dt="2021-07-20T13:24:48.752" v="1614"/>
+          <ac:cxnSpMkLst>
+            <pc:docMk/>
+            <pc:sldMk cId="1332212195" sldId="263"/>
+            <ac:cxnSpMk id="12" creationId="{8E83266B-97F8-4AB9-818F-3A70E8D8580D}"/>
+          </ac:cxnSpMkLst>
+        </pc:cxnChg>
+      </pc:sldChg>
+      <pc:sldChg chg="addSp delSp modSp add del mod setBg delDesignElem">
+        <pc:chgData name="Vella, Matt (Rivervale) AUS" userId="7f0b4c79-970d-4dba-9fca-4c69ccb8f27c" providerId="ADAL" clId="{D34EA4F5-CF70-4671-BB40-290A1FA825C5}" dt="2021-07-20T13:24:53.142" v="1618"/>
+        <pc:sldMkLst>
+          <pc:docMk/>
+          <pc:sldMk cId="3755270014" sldId="263"/>
+        </pc:sldMkLst>
+        <pc:spChg chg="add del">
+          <ac:chgData name="Vella, Matt (Rivervale) AUS" userId="7f0b4c79-970d-4dba-9fca-4c69ccb8f27c" providerId="ADAL" clId="{D34EA4F5-CF70-4671-BB40-290A1FA825C5}" dt="2021-07-20T13:24:53.142" v="1618"/>
+          <ac:spMkLst>
+            <pc:docMk/>
+            <pc:sldMk cId="3755270014" sldId="263"/>
+            <ac:spMk id="10" creationId="{F2AF0D79-4A1A-4F27-B9F0-CF252C4AC91C}"/>
+          </ac:spMkLst>
+        </pc:spChg>
+        <pc:picChg chg="add del">
+          <ac:chgData name="Vella, Matt (Rivervale) AUS" userId="7f0b4c79-970d-4dba-9fca-4c69ccb8f27c" providerId="ADAL" clId="{D34EA4F5-CF70-4671-BB40-290A1FA825C5}" dt="2021-07-20T13:24:51.648" v="1617" actId="478"/>
+          <ac:picMkLst>
+            <pc:docMk/>
+            <pc:sldMk cId="3755270014" sldId="263"/>
+            <ac:picMk id="5" creationId="{0238846B-9EB2-4D40-B189-DB77D98B0663}"/>
+          </ac:picMkLst>
+        </pc:picChg>
+        <pc:picChg chg="add del mod">
+          <ac:chgData name="Vella, Matt (Rivervale) AUS" userId="7f0b4c79-970d-4dba-9fca-4c69ccb8f27c" providerId="ADAL" clId="{D34EA4F5-CF70-4671-BB40-290A1FA825C5}" dt="2021-07-20T13:24:51.096" v="1616"/>
+          <ac:picMkLst>
+            <pc:docMk/>
+            <pc:sldMk cId="3755270014" sldId="263"/>
+            <ac:picMk id="7" creationId="{266C4881-0B76-4795-9622-0C14690B99F1}"/>
+          </ac:picMkLst>
+        </pc:picChg>
+        <pc:cxnChg chg="add del">
+          <ac:chgData name="Vella, Matt (Rivervale) AUS" userId="7f0b4c79-970d-4dba-9fca-4c69ccb8f27c" providerId="ADAL" clId="{D34EA4F5-CF70-4671-BB40-290A1FA825C5}" dt="2021-07-20T13:24:53.142" v="1618"/>
+          <ac:cxnSpMkLst>
+            <pc:docMk/>
+            <pc:sldMk cId="3755270014" sldId="263"/>
+            <ac:cxnSpMk id="12" creationId="{8E83266B-97F8-4AB9-818F-3A70E8D8580D}"/>
+          </ac:cxnSpMkLst>
+        </pc:cxnChg>
+      </pc:sldChg>
+      <pc:sldMasterChg chg="addSp delSp modSp mod">
+        <pc:chgData name="Vella, Matt (Rivervale) AUS" userId="7f0b4c79-970d-4dba-9fca-4c69ccb8f27c" providerId="ADAL" clId="{D34EA4F5-CF70-4671-BB40-290A1FA825C5}" dt="2021-07-20T12:58:07.421" v="121"/>
+        <pc:sldMasterMkLst>
+          <pc:docMk/>
+          <pc:sldMasterMk cId="0" sldId="2147483648"/>
+        </pc:sldMasterMkLst>
+        <pc:spChg chg="mod">
+          <ac:chgData name="Vella, Matt (Rivervale) AUS" userId="7f0b4c79-970d-4dba-9fca-4c69ccb8f27c" providerId="ADAL" clId="{D34EA4F5-CF70-4671-BB40-290A1FA825C5}" dt="2021-07-20T12:58:06.968" v="68" actId="948"/>
+          <ac:spMkLst>
+            <pc:docMk/>
+            <pc:sldMasterMk cId="0" sldId="2147483648"/>
+            <ac:spMk id="2" creationId="{00000000-0000-0000-0000-000000000000}"/>
+          </ac:spMkLst>
+        </pc:spChg>
+        <pc:spChg chg="mod">
+          <ac:chgData name="Vella, Matt (Rivervale) AUS" userId="7f0b4c79-970d-4dba-9fca-4c69ccb8f27c" providerId="ADAL" clId="{D34EA4F5-CF70-4671-BB40-290A1FA825C5}" dt="2021-07-20T12:58:06.946" v="67" actId="20577"/>
+          <ac:spMkLst>
+            <pc:docMk/>
+            <pc:sldMasterMk cId="0" sldId="2147483648"/>
+            <ac:spMk id="8" creationId="{00000000-0000-0000-0000-000000000000}"/>
+          </ac:spMkLst>
+        </pc:spChg>
+        <pc:spChg chg="add del mod modVis">
+          <ac:chgData name="Vella, Matt (Rivervale) AUS" userId="7f0b4c79-970d-4dba-9fca-4c69ccb8f27c" providerId="ADAL" clId="{D34EA4F5-CF70-4671-BB40-290A1FA825C5}" dt="2021-07-20T12:58:07.270" v="106"/>
+          <ac:spMkLst>
+            <pc:docMk/>
+            <pc:sldMasterMk cId="0" sldId="2147483648"/>
+            <ac:spMk id="9" creationId="{1BDA2BFB-2727-4244-8691-4F60586B6F62}"/>
+          </ac:spMkLst>
+        </pc:spChg>
+        <pc:graphicFrameChg chg="add mod ord modVis">
+          <ac:chgData name="Vella, Matt (Rivervale) AUS" userId="7f0b4c79-970d-4dba-9fca-4c69ccb8f27c" providerId="ADAL" clId="{D34EA4F5-CF70-4671-BB40-290A1FA825C5}" dt="2021-07-20T12:58:07.421" v="121"/>
+          <ac:graphicFrameMkLst>
+            <pc:docMk/>
+            <pc:sldMasterMk cId="0" sldId="2147483648"/>
+            <ac:graphicFrameMk id="11" creationId="{097BFC32-50F1-4D78-B754-7C8989347923}"/>
+          </ac:graphicFrameMkLst>
+        </pc:graphicFrameChg>
+      </pc:sldMasterChg>
     </pc:docChg>
   </pc:docChgLst>
 </pc:chgInfo>
@@ -284,7 +896,7 @@
           <a:p>
             <a:fld id="{48A87A34-81AB-432B-8DAE-1953F412C126}" type="datetimeFigureOut">
               <a:rPr lang="en-US" dirty="0"/>
-              <a:t>7/19/2021</a:t>
+              <a:t>7/20/2021</a:t>
             </a:fld>
             <a:endParaRPr lang="en-US" dirty="0"/>
           </a:p>
@@ -490,7 +1102,7 @@
           <a:p>
             <a:fld id="{48A87A34-81AB-432B-8DAE-1953F412C126}" type="datetimeFigureOut">
               <a:rPr lang="en-US" dirty="0"/>
-              <a:t>7/19/2021</a:t>
+              <a:t>7/20/2021</a:t>
             </a:fld>
             <a:endParaRPr lang="en-US" dirty="0"/>
           </a:p>
@@ -700,7 +1312,7 @@
           <a:p>
             <a:fld id="{48A87A34-81AB-432B-8DAE-1953F412C126}" type="datetimeFigureOut">
               <a:rPr lang="en-US" dirty="0"/>
-              <a:t>7/19/2021</a:t>
+              <a:t>7/20/2021</a:t>
             </a:fld>
             <a:endParaRPr lang="en-US" dirty="0"/>
           </a:p>
@@ -896,7 +1508,7 @@
           <a:p>
             <a:fld id="{48A87A34-81AB-432B-8DAE-1953F412C126}" type="datetimeFigureOut">
               <a:rPr lang="en-US" dirty="0"/>
-              <a:t>7/19/2021</a:t>
+              <a:t>7/20/2021</a:t>
             </a:fld>
             <a:endParaRPr lang="en-US" dirty="0"/>
           </a:p>
@@ -1170,7 +1782,7 @@
           <a:p>
             <a:fld id="{48A87A34-81AB-432B-8DAE-1953F412C126}" type="datetimeFigureOut">
               <a:rPr lang="en-US" dirty="0"/>
-              <a:t>7/19/2021</a:t>
+              <a:t>7/20/2021</a:t>
             </a:fld>
             <a:endParaRPr lang="en-US" dirty="0"/>
           </a:p>
@@ -1433,7 +2045,7 @@
           <a:p>
             <a:fld id="{48A87A34-81AB-432B-8DAE-1953F412C126}" type="datetimeFigureOut">
               <a:rPr lang="en-US" dirty="0"/>
-              <a:t>7/19/2021</a:t>
+              <a:t>7/20/2021</a:t>
             </a:fld>
             <a:endParaRPr lang="en-US" dirty="0"/>
           </a:p>
@@ -1844,7 +2456,7 @@
           <a:p>
             <a:fld id="{48A87A34-81AB-432B-8DAE-1953F412C126}" type="datetimeFigureOut">
               <a:rPr lang="en-US" dirty="0"/>
-              <a:t>7/19/2021</a:t>
+              <a:t>7/20/2021</a:t>
             </a:fld>
             <a:endParaRPr lang="en-US" dirty="0"/>
           </a:p>
@@ -1988,7 +2600,7 @@
           <a:p>
             <a:fld id="{48A87A34-81AB-432B-8DAE-1953F412C126}" type="datetimeFigureOut">
               <a:rPr lang="en-US" dirty="0"/>
-              <a:t>7/19/2021</a:t>
+              <a:t>7/20/2021</a:t>
             </a:fld>
             <a:endParaRPr lang="en-US" dirty="0"/>
           </a:p>
@@ -2109,7 +2721,7 @@
           <a:p>
             <a:fld id="{48A87A34-81AB-432B-8DAE-1953F412C126}" type="datetimeFigureOut">
               <a:rPr lang="en-US" dirty="0"/>
-              <a:t>7/19/2021</a:t>
+              <a:t>7/20/2021</a:t>
             </a:fld>
             <a:endParaRPr lang="en-US" dirty="0"/>
           </a:p>
@@ -2355,7 +2967,7 @@
           <a:p>
             <a:fld id="{48A87A34-81AB-432B-8DAE-1953F412C126}" type="datetimeFigureOut">
               <a:rPr lang="en-US" dirty="0"/>
-              <a:t>7/19/2021</a:t>
+              <a:t>7/20/2021</a:t>
             </a:fld>
             <a:endParaRPr lang="en-US" dirty="0"/>
           </a:p>
@@ -2796,7 +3408,7 @@
             <a:fld id="{48A87A34-81AB-432B-8DAE-1953F412C126}" type="datetimeFigureOut">
               <a:rPr lang="en-US" dirty="0"/>
               <a:pPr/>
-              <a:t>7/19/2021</a:t>
+              <a:t>7/20/2021</a:t>
             </a:fld>
             <a:endParaRPr lang="en-US" dirty="0"/>
           </a:p>
@@ -2910,6 +3522,78 @@
           <a:chExt cx="0" cy="0"/>
         </a:xfrm>
       </p:grpSpPr>
+      <p:graphicFrame>
+        <p:nvGraphicFramePr>
+          <p:cNvPr id="11" name="Object 10" hidden="1">
+            <a:extLst>
+              <a:ext uri="{FF2B5EF4-FFF2-40B4-BE49-F238E27FC236}">
+                <a16:creationId xmlns:a16="http://schemas.microsoft.com/office/drawing/2014/main" id="{097BFC32-50F1-4D78-B754-7C8989347923}"/>
+              </a:ext>
+            </a:extLst>
+          </p:cNvPr>
+          <p:cNvGraphicFramePr>
+            <a:graphicFrameLocks noChangeAspect="1"/>
+          </p:cNvGraphicFramePr>
+          <p:nvPr userDrawn="1">
+            <p:custDataLst>
+              <p:tags r:id="rId14"/>
+            </p:custDataLst>
+            <p:extLst>
+              <p:ext uri="{D42A27DB-BD31-4B8C-83A1-F6EECF244321}">
+                <p14:modId xmlns:p14="http://schemas.microsoft.com/office/powerpoint/2010/main" val="3786072446"/>
+              </p:ext>
+            </p:extLst>
+          </p:nvPr>
+        </p:nvGraphicFramePr>
+        <p:xfrm>
+          <a:off x="1588" y="1588"/>
+          <a:ext cx="1588" cy="1588"/>
+        </p:xfrm>
+        <a:graphic>
+          <a:graphicData uri="http://schemas.openxmlformats.org/presentationml/2006/ole">
+            <mc:AlternateContent xmlns:mc="http://schemas.openxmlformats.org/markup-compatibility/2006">
+              <mc:Choice xmlns:v="urn:schemas-microsoft-com:vml" Requires="v">
+                <p:oleObj spid="_x0000_s1026" name="think-cell Slide" r:id="rId15" imgW="411" imgH="411" progId="TCLayout.ActiveDocument.1">
+                  <p:embed/>
+                </p:oleObj>
+              </mc:Choice>
+              <mc:Fallback>
+                <p:oleObj name="think-cell Slide" r:id="rId15" imgW="411" imgH="411" progId="TCLayout.ActiveDocument.1">
+                  <p:embed/>
+                  <p:pic>
+                    <p:nvPicPr>
+                      <p:cNvPr id="11" name="Object 10" hidden="1">
+                        <a:extLst>
+                          <a:ext uri="{FF2B5EF4-FFF2-40B4-BE49-F238E27FC236}">
+                            <a16:creationId xmlns:a16="http://schemas.microsoft.com/office/drawing/2014/main" id="{097BFC32-50F1-4D78-B754-7C8989347923}"/>
+                          </a:ext>
+                        </a:extLst>
+                      </p:cNvPr>
+                      <p:cNvPicPr/>
+                      <p:nvPr/>
+                    </p:nvPicPr>
+                    <p:blipFill>
+                      <a:blip r:embed="rId16"/>
+                      <a:stretch>
+                        <a:fillRect/>
+                      </a:stretch>
+                    </p:blipFill>
+                    <p:spPr>
+                      <a:xfrm>
+                        <a:off x="1588" y="1588"/>
+                        <a:ext cx="1588" cy="1588"/>
+                      </a:xfrm>
+                      <a:prstGeom prst="rect">
+                        <a:avLst/>
+                      </a:prstGeom>
+                    </p:spPr>
+                  </p:pic>
+                </p:oleObj>
+              </mc:Fallback>
+            </mc:AlternateContent>
+          </a:graphicData>
+        </a:graphic>
+      </p:graphicFrame>
       <p:sp>
         <p:nvSpPr>
           <p:cNvPr id="8" name="Rectangle 7"/>
@@ -2958,6 +3642,13 @@
             <a:schemeClr val="lt1"/>
           </a:fontRef>
         </p:style>
+        <p:txBody>
+          <a:bodyPr/>
+          <a:lstStyle/>
+          <a:p>
+            <a:endParaRPr lang="en-AU"/>
+          </a:p>
+        </p:txBody>
       </p:sp>
       <p:pic>
         <p:nvPicPr>
@@ -2968,7 +3659,7 @@
           <p:nvPr/>
         </p:nvPicPr>
         <p:blipFill rotWithShape="1">
-          <a:blip r:embed="rId13">
+          <a:blip r:embed="rId17">
             <a:extLst>
               <a:ext uri="{28A0092B-C50C-407E-A947-70E740481C1C}">
                 <a14:useLocalDpi xmlns:a14="http://schemas.microsoft.com/office/drawing/2010/main" val="0"/>
@@ -3119,7 +3810,7 @@
             <a:fld id="{48A87A34-81AB-432B-8DAE-1953F412C126}" type="datetimeFigureOut">
               <a:rPr lang="en-US" dirty="0"/>
               <a:pPr/>
-              <a:t>7/19/2021</a:t>
+              <a:t>7/20/2021</a:t>
             </a:fld>
             <a:endParaRPr lang="en-US" dirty="0"/>
           </a:p>
@@ -3897,6 +4588,209 @@
 <file path=ppt/slides/slide2.xml><?xml version="1.0" encoding="utf-8"?>
 <p:sld xmlns:a="http://schemas.openxmlformats.org/drawingml/2006/main" xmlns:r="http://schemas.openxmlformats.org/officeDocument/2006/relationships" xmlns:p="http://schemas.openxmlformats.org/presentationml/2006/main">
   <p:cSld>
+    <p:spTree>
+      <p:nvGrpSpPr>
+        <p:cNvPr id="1" name=""/>
+        <p:cNvGrpSpPr/>
+        <p:nvPr/>
+      </p:nvGrpSpPr>
+      <p:grpSpPr>
+        <a:xfrm>
+          <a:off x="0" y="0"/>
+          <a:ext cx="0" cy="0"/>
+          <a:chOff x="0" y="0"/>
+          <a:chExt cx="0" cy="0"/>
+        </a:xfrm>
+      </p:grpSpPr>
+      <p:graphicFrame>
+        <p:nvGraphicFramePr>
+          <p:cNvPr id="13" name="Object 12" hidden="1">
+            <a:extLst>
+              <a:ext uri="{FF2B5EF4-FFF2-40B4-BE49-F238E27FC236}">
+                <a16:creationId xmlns:a16="http://schemas.microsoft.com/office/drawing/2014/main" id="{EE48DB04-1C27-4C3D-8094-11F313554017}"/>
+              </a:ext>
+            </a:extLst>
+          </p:cNvPr>
+          <p:cNvGraphicFramePr>
+            <a:graphicFrameLocks noChangeAspect="1"/>
+          </p:cNvGraphicFramePr>
+          <p:nvPr>
+            <p:custDataLst>
+              <p:tags r:id="rId2"/>
+            </p:custDataLst>
+            <p:extLst>
+              <p:ext uri="{D42A27DB-BD31-4B8C-83A1-F6EECF244321}">
+                <p14:modId xmlns:p14="http://schemas.microsoft.com/office/powerpoint/2010/main" val="3026001295"/>
+              </p:ext>
+            </p:extLst>
+          </p:nvPr>
+        </p:nvGraphicFramePr>
+        <p:xfrm>
+          <a:off x="1588" y="1588"/>
+          <a:ext cx="1588" cy="1588"/>
+        </p:xfrm>
+        <a:graphic>
+          <a:graphicData uri="http://schemas.openxmlformats.org/presentationml/2006/ole">
+            <mc:AlternateContent xmlns:mc="http://schemas.openxmlformats.org/markup-compatibility/2006">
+              <mc:Choice xmlns:v="urn:schemas-microsoft-com:vml" Requires="v">
+                <p:oleObj spid="_x0000_s2050" name="think-cell Slide" r:id="rId4" imgW="411" imgH="411" progId="TCLayout.ActiveDocument.1">
+                  <p:embed/>
+                </p:oleObj>
+              </mc:Choice>
+              <mc:Fallback>
+                <p:oleObj name="think-cell Slide" r:id="rId4" imgW="411" imgH="411" progId="TCLayout.ActiveDocument.1">
+                  <p:embed/>
+                  <p:pic>
+                    <p:nvPicPr>
+                      <p:cNvPr id="13" name="Object 12" hidden="1">
+                        <a:extLst>
+                          <a:ext uri="{FF2B5EF4-FFF2-40B4-BE49-F238E27FC236}">
+                            <a16:creationId xmlns:a16="http://schemas.microsoft.com/office/drawing/2014/main" id="{EE48DB04-1C27-4C3D-8094-11F313554017}"/>
+                          </a:ext>
+                        </a:extLst>
+                      </p:cNvPr>
+                      <p:cNvPicPr/>
+                      <p:nvPr/>
+                    </p:nvPicPr>
+                    <p:blipFill>
+                      <a:blip r:embed="rId5"/>
+                      <a:stretch>
+                        <a:fillRect/>
+                      </a:stretch>
+                    </p:blipFill>
+                    <p:spPr>
+                      <a:xfrm>
+                        <a:off x="1588" y="1588"/>
+                        <a:ext cx="1588" cy="1588"/>
+                      </a:xfrm>
+                      <a:prstGeom prst="rect">
+                        <a:avLst/>
+                      </a:prstGeom>
+                    </p:spPr>
+                  </p:pic>
+                </p:oleObj>
+              </mc:Fallback>
+            </mc:AlternateContent>
+          </a:graphicData>
+        </a:graphic>
+      </p:graphicFrame>
+      <p:pic>
+        <p:nvPicPr>
+          <p:cNvPr id="17" name="Picture 16">
+            <a:extLst>
+              <a:ext uri="{FF2B5EF4-FFF2-40B4-BE49-F238E27FC236}">
+                <a16:creationId xmlns:a16="http://schemas.microsoft.com/office/drawing/2014/main" id="{272E2DAD-0452-4485-B888-C8C1095D02B2}"/>
+              </a:ext>
+            </a:extLst>
+          </p:cNvPr>
+          <p:cNvPicPr>
+            <a:picLocks noChangeAspect="1"/>
+          </p:cNvPicPr>
+          <p:nvPr/>
+        </p:nvPicPr>
+        <p:blipFill>
+          <a:blip r:embed="rId6"/>
+          <a:stretch>
+            <a:fillRect/>
+          </a:stretch>
+        </p:blipFill>
+        <p:spPr>
+          <a:xfrm>
+            <a:off x="0" y="0"/>
+            <a:ext cx="12192000" cy="6858000"/>
+          </a:xfrm>
+          <a:prstGeom prst="rect">
+            <a:avLst/>
+          </a:prstGeom>
+        </p:spPr>
+      </p:pic>
+      <p:sp>
+        <p:nvSpPr>
+          <p:cNvPr id="2" name="Title 1">
+            <a:extLst>
+              <a:ext uri="{FF2B5EF4-FFF2-40B4-BE49-F238E27FC236}">
+                <a16:creationId xmlns:a16="http://schemas.microsoft.com/office/drawing/2014/main" id="{1BC9B49F-4DEA-6A45-BB49-CFBE4323FBB4}"/>
+              </a:ext>
+            </a:extLst>
+          </p:cNvPr>
+          <p:cNvSpPr>
+            <a:spLocks noGrp="1"/>
+          </p:cNvSpPr>
+          <p:nvPr>
+            <p:ph type="title"/>
+          </p:nvPr>
+        </p:nvSpPr>
+        <p:spPr>
+          <a:xfrm>
+            <a:off x="1304017" y="804520"/>
+            <a:ext cx="6815731" cy="1049235"/>
+          </a:xfrm>
+        </p:spPr>
+        <p:txBody>
+          <a:bodyPr vert="horz">
+            <a:normAutofit/>
+          </a:bodyPr>
+          <a:lstStyle/>
+          <a:p>
+            <a:r>
+              <a:rPr lang="en-US" dirty="0">
+                <a:solidFill>
+                  <a:srgbClr val="FFFFFE"/>
+                </a:solidFill>
+              </a:rPr>
+              <a:t>The Motivation</a:t>
+            </a:r>
+          </a:p>
+        </p:txBody>
+      </p:sp>
+      <p:pic>
+        <p:nvPicPr>
+          <p:cNvPr id="18" name="Picture 17">
+            <a:extLst>
+              <a:ext uri="{FF2B5EF4-FFF2-40B4-BE49-F238E27FC236}">
+                <a16:creationId xmlns:a16="http://schemas.microsoft.com/office/drawing/2014/main" id="{7B41F5CB-FA9C-46E9-9256-B3030D740CDA}"/>
+              </a:ext>
+            </a:extLst>
+          </p:cNvPr>
+          <p:cNvPicPr>
+            <a:picLocks noChangeAspect="1"/>
+          </p:cNvPicPr>
+          <p:nvPr/>
+        </p:nvPicPr>
+        <p:blipFill>
+          <a:blip r:embed="rId7">
+            <a:alphaModFix amt="38000"/>
+          </a:blip>
+          <a:stretch>
+            <a:fillRect/>
+          </a:stretch>
+        </p:blipFill>
+        <p:spPr>
+          <a:xfrm>
+            <a:off x="8921362" y="198783"/>
+            <a:ext cx="1667713" cy="1497755"/>
+          </a:xfrm>
+          <a:prstGeom prst="rect">
+            <a:avLst/>
+          </a:prstGeom>
+        </p:spPr>
+      </p:pic>
+    </p:spTree>
+    <p:extLst>
+      <p:ext uri="{BB962C8B-B14F-4D97-AF65-F5344CB8AC3E}">
+        <p14:creationId xmlns:p14="http://schemas.microsoft.com/office/powerpoint/2010/main" val="69536783"/>
+      </p:ext>
+    </p:extLst>
+  </p:cSld>
+  <p:clrMapOvr>
+    <a:masterClrMapping/>
+  </p:clrMapOvr>
+</p:sld>
+</file>
+
+<file path=ppt/slides/slide3.xml><?xml version="1.0" encoding="utf-8"?>
+<p:sld xmlns:a="http://schemas.openxmlformats.org/drawingml/2006/main" xmlns:r="http://schemas.openxmlformats.org/officeDocument/2006/relationships" xmlns:p="http://schemas.openxmlformats.org/presentationml/2006/main">
+  <p:cSld>
     <p:bg>
       <p:bgPr>
         <a:gradFill rotWithShape="1">
@@ -4056,12 +4950,12 @@
           <a:lstStyle/>
           <a:p>
             <a:r>
-              <a:rPr lang="en-US">
+              <a:rPr lang="en-US" dirty="0">
                 <a:solidFill>
                   <a:srgbClr val="FFFFFE"/>
                 </a:solidFill>
               </a:rPr>
-              <a:t>Questions</a:t>
+              <a:t>Questions – Whisky hunters</a:t>
             </a:r>
           </a:p>
         </p:txBody>
@@ -4157,7 +5051,7 @@
                   <a:srgbClr val="FFFFFE"/>
                 </a:solidFill>
               </a:rPr>
-              <a:t>Where is the best whisky?</a:t>
+              <a:t>Where in the world has most highly rated whisky?</a:t>
             </a:r>
           </a:p>
           <a:p>
@@ -4172,7 +5066,7 @@
                   <a:srgbClr val="FFFFFE"/>
                 </a:solidFill>
               </a:rPr>
-              <a:t>What county has the most distillery’s?</a:t>
+              <a:t>Which country has the most distilleries?</a:t>
             </a:r>
           </a:p>
           <a:p>
@@ -4187,7 +5081,22 @@
                   <a:srgbClr val="FFFFFE"/>
                 </a:solidFill>
               </a:rPr>
-              <a:t> </a:t>
+              <a:t>Is there a visible relationship between the number of whiskies produced by a distillery and their average ratings?</a:t>
+            </a:r>
+          </a:p>
+          <a:p>
+            <a:pPr>
+              <a:buClr>
+                <a:srgbClr val="9B5E1E"/>
+              </a:buClr>
+            </a:pPr>
+            <a:r>
+              <a:rPr lang="en-US" dirty="0">
+                <a:solidFill>
+                  <a:srgbClr val="FFFFFE"/>
+                </a:solidFill>
+              </a:rPr>
+              <a:t>What are the top-rated distilleries in both the world, and within a specific country?</a:t>
             </a:r>
           </a:p>
         </p:txBody>
@@ -4205,7 +5114,7 @@
 </p:sld>
 </file>
 
-<file path=ppt/slides/slide3.xml><?xml version="1.0" encoding="utf-8"?>
+<file path=ppt/slides/slide4.xml><?xml version="1.0" encoding="utf-8"?>
 <p:sld xmlns:a="http://schemas.openxmlformats.org/drawingml/2006/main" xmlns:r="http://schemas.openxmlformats.org/officeDocument/2006/relationships" xmlns:p="http://schemas.openxmlformats.org/presentationml/2006/main">
   <p:cSld>
     <p:bg>
@@ -4367,7 +5276,7 @@
           <a:lstStyle/>
           <a:p>
             <a:r>
-              <a:rPr lang="en-US">
+              <a:rPr lang="en-US" dirty="0">
                 <a:solidFill>
                   <a:srgbClr val="FFFFFE"/>
                 </a:solidFill>
@@ -4463,12 +5372,12 @@
               </a:buClr>
             </a:pPr>
             <a:r>
-              <a:rPr lang="en-US">
+              <a:rPr lang="en-US" dirty="0">
                 <a:solidFill>
                   <a:srgbClr val="FFFFFE"/>
                 </a:solidFill>
               </a:rPr>
-              <a:t>We got our data from Kaggle </a:t>
+              <a:t>We got our data from Kaggle and  Whisky Base.</a:t>
             </a:r>
           </a:p>
           <a:p>
@@ -4478,12 +5387,12 @@
               </a:buClr>
             </a:pPr>
             <a:r>
-              <a:rPr lang="en-US">
+              <a:rPr lang="en-US" dirty="0">
                 <a:solidFill>
                   <a:srgbClr val="FFFFFE"/>
                 </a:solidFill>
               </a:rPr>
-              <a:t>We imported the data and cleaned it using Pandas. The data was exported to SQLite where we used flask APIs to call the data</a:t>
+              <a:t>We imported the data and cleaned it using Pandas. The data was exported to SQLite where we used flask APIs to call the data for our HTML. </a:t>
             </a:r>
           </a:p>
           <a:p>
@@ -4492,11 +5401,105 @@
                 <a:srgbClr val="FFB743"/>
               </a:buClr>
             </a:pPr>
-            <a:endParaRPr lang="en-US">
-              <a:solidFill>
-                <a:srgbClr val="FFFFFE"/>
-              </a:solidFill>
-            </a:endParaRPr>
+            <a:r>
+              <a:rPr lang="en-US" dirty="0">
+                <a:solidFill>
+                  <a:srgbClr val="FFFFFE"/>
+                </a:solidFill>
+              </a:rPr>
+              <a:t>To </a:t>
+            </a:r>
+            <a:r>
+              <a:rPr lang="en-US" dirty="0" err="1">
+                <a:solidFill>
+                  <a:srgbClr val="FFFFFE"/>
+                </a:solidFill>
+              </a:rPr>
+              <a:t>visualise</a:t>
+            </a:r>
+            <a:r>
+              <a:rPr lang="en-US" dirty="0">
+                <a:solidFill>
+                  <a:srgbClr val="FFFFFE"/>
+                </a:solidFill>
+              </a:rPr>
+              <a:t> our data, we </a:t>
+            </a:r>
+            <a:r>
+              <a:rPr lang="en-US" dirty="0">
+                <a:solidFill>
+                  <a:schemeClr val="bg1"/>
+                </a:solidFill>
+              </a:rPr>
+              <a:t>used </a:t>
+            </a:r>
+            <a:r>
+              <a:rPr lang="en-AU" dirty="0" err="1">
+                <a:solidFill>
+                  <a:schemeClr val="bg1"/>
+                </a:solidFill>
+                <a:latin typeface="Slack-Lato"/>
+              </a:rPr>
+              <a:t>Plotly</a:t>
+            </a:r>
+            <a:r>
+              <a:rPr lang="en-AU" dirty="0">
+                <a:solidFill>
+                  <a:schemeClr val="bg1"/>
+                </a:solidFill>
+                <a:latin typeface="Slack-Lato"/>
+              </a:rPr>
+              <a:t>, </a:t>
+            </a:r>
+            <a:r>
+              <a:rPr lang="en-AU" dirty="0" err="1">
+                <a:solidFill>
+                  <a:schemeClr val="bg1"/>
+                </a:solidFill>
+                <a:latin typeface="Slack-Lato"/>
+              </a:rPr>
+              <a:t>Highchart</a:t>
+            </a:r>
+            <a:r>
+              <a:rPr lang="en-AU" dirty="0">
+                <a:solidFill>
+                  <a:schemeClr val="bg1"/>
+                </a:solidFill>
+                <a:latin typeface="Slack-Lato"/>
+              </a:rPr>
+              <a:t>, jQuery.</a:t>
+            </a:r>
+          </a:p>
+          <a:p>
+            <a:pPr>
+              <a:buClr>
+                <a:srgbClr val="FFB743"/>
+              </a:buClr>
+            </a:pPr>
+            <a:r>
+              <a:rPr lang="en-US" dirty="0">
+                <a:solidFill>
+                  <a:srgbClr val="FFFFFE"/>
+                </a:solidFill>
+              </a:rPr>
+              <a:t>Other libraries used include D3 and </a:t>
+            </a:r>
+            <a:r>
+              <a:rPr lang="en-US" dirty="0" err="1">
+                <a:solidFill>
+                  <a:srgbClr val="FFFFFE"/>
+                </a:solidFill>
+              </a:rPr>
+              <a:t>Lodash</a:t>
+            </a:r>
+            <a:r>
+              <a:rPr lang="en-US" dirty="0">
+                <a:solidFill>
+                  <a:srgbClr val="FFFFFE"/>
+                </a:solidFill>
+              </a:rPr>
+              <a:t>.</a:t>
+            </a:r>
           </a:p>
         </p:txBody>
       </p:sp>
@@ -4504,670 +5507,6 @@
     <p:extLst>
       <p:ext uri="{BB962C8B-B14F-4D97-AF65-F5344CB8AC3E}">
         <p14:creationId xmlns:p14="http://schemas.microsoft.com/office/powerpoint/2010/main" val="3605735444"/>
-      </p:ext>
-    </p:extLst>
-  </p:cSld>
-  <p:clrMapOvr>
-    <a:masterClrMapping/>
-  </p:clrMapOvr>
-</p:sld>
-</file>
-
-<file path=ppt/slides/slide4.xml><?xml version="1.0" encoding="utf-8"?>
-<p:sld xmlns:a="http://schemas.openxmlformats.org/drawingml/2006/main" xmlns:r="http://schemas.openxmlformats.org/officeDocument/2006/relationships" xmlns:p="http://schemas.openxmlformats.org/presentationml/2006/main">
-  <p:cSld>
-    <p:bg>
-      <p:bgPr>
-        <a:gradFill rotWithShape="1">
-          <a:gsLst>
-            <a:gs pos="0">
-              <a:schemeClr val="bg2">
-                <a:tint val="94000"/>
-                <a:satMod val="80000"/>
-                <a:lumMod val="106000"/>
-              </a:schemeClr>
-            </a:gs>
-            <a:gs pos="100000">
-              <a:schemeClr val="bg2">
-                <a:shade val="80000"/>
-              </a:schemeClr>
-            </a:gs>
-          </a:gsLst>
-          <a:path path="circle">
-            <a:fillToRect l="43000" r="43000" b="100000"/>
-          </a:path>
-        </a:gradFill>
-        <a:effectLst/>
-      </p:bgPr>
-    </p:bg>
-    <p:spTree>
-      <p:nvGrpSpPr>
-        <p:cNvPr id="1" name=""/>
-        <p:cNvGrpSpPr/>
-        <p:nvPr/>
-      </p:nvGrpSpPr>
-      <p:grpSpPr>
-        <a:xfrm>
-          <a:off x="0" y="0"/>
-          <a:ext cx="0" cy="0"/>
-          <a:chOff x="0" y="0"/>
-          <a:chExt cx="0" cy="0"/>
-        </a:xfrm>
-      </p:grpSpPr>
-      <p:sp>
-        <p:nvSpPr>
-          <p:cNvPr id="12" name="Rectangle 11">
-            <a:extLst>
-              <a:ext uri="{FF2B5EF4-FFF2-40B4-BE49-F238E27FC236}">
-                <a16:creationId xmlns:a16="http://schemas.microsoft.com/office/drawing/2014/main" id="{0CABCAE3-64FC-4149-819F-2C1812824154}"/>
-              </a:ext>
-              <a:ext uri="{C183D7F6-B498-43B3-948B-1728B52AA6E4}">
-                <adec:decorative xmlns:adec="http://schemas.microsoft.com/office/drawing/2017/decorative" val="1"/>
-              </a:ext>
-            </a:extLst>
-          </p:cNvPr>
-          <p:cNvSpPr>
-            <a:spLocks noGrp="1" noRot="1" noChangeAspect="1" noMove="1" noResize="1" noEditPoints="1" noAdjustHandles="1" noChangeArrowheads="1" noChangeShapeType="1" noTextEdit="1"/>
-          </p:cNvSpPr>
-          <p:nvPr>
-            <p:extLst>
-              <p:ext uri="{386F3935-93C4-4BCD-93E2-E3B085C9AB24}">
-                <p16:designElem xmlns:p16="http://schemas.microsoft.com/office/powerpoint/2015/main" val="1"/>
-              </p:ext>
-            </p:extLst>
-          </p:nvPr>
-        </p:nvSpPr>
-        <p:spPr>
-          <a:xfrm>
-            <a:off x="0" y="2019476"/>
-            <a:ext cx="12192000" cy="4105941"/>
-          </a:xfrm>
-          <a:prstGeom prst="rect">
-            <a:avLst/>
-          </a:prstGeom>
-          <a:gradFill flip="none" rotWithShape="1">
-            <a:gsLst>
-              <a:gs pos="0">
-                <a:schemeClr val="bg2">
-                  <a:alpha val="0"/>
-                </a:schemeClr>
-              </a:gs>
-              <a:gs pos="100000">
-                <a:schemeClr val="bg2"/>
-              </a:gs>
-            </a:gsLst>
-            <a:lin ang="5400000" scaled="0"/>
-            <a:tileRect/>
-          </a:gradFill>
-          <a:ln>
-            <a:noFill/>
-          </a:ln>
-        </p:spPr>
-        <p:style>
-          <a:lnRef idx="2">
-            <a:schemeClr val="accent1">
-              <a:shade val="50000"/>
-            </a:schemeClr>
-          </a:lnRef>
-          <a:fillRef idx="1">
-            <a:schemeClr val="accent1"/>
-          </a:fillRef>
-          <a:effectRef idx="0">
-            <a:schemeClr val="accent1"/>
-          </a:effectRef>
-          <a:fontRef idx="minor">
-            <a:schemeClr val="lt1"/>
-          </a:fontRef>
-        </p:style>
-        <p:txBody>
-          <a:bodyPr/>
-          <a:lstStyle/>
-          <a:p>
-            <a:endParaRPr lang="en-AU"/>
-          </a:p>
-        </p:txBody>
-      </p:sp>
-      <p:pic>
-        <p:nvPicPr>
-          <p:cNvPr id="14" name="Picture 13">
-            <a:extLst>
-              <a:ext uri="{FF2B5EF4-FFF2-40B4-BE49-F238E27FC236}">
-                <a16:creationId xmlns:a16="http://schemas.microsoft.com/office/drawing/2014/main" id="{012FDCFE-9AD2-4D8A-8CBF-B3AA37EBF6DD}"/>
-              </a:ext>
-              <a:ext uri="{C183D7F6-B498-43B3-948B-1728B52AA6E4}">
-                <adec:decorative xmlns:adec="http://schemas.microsoft.com/office/drawing/2017/decorative" val="1"/>
-              </a:ext>
-            </a:extLst>
-          </p:cNvPr>
-          <p:cNvPicPr>
-            <a:picLocks noGrp="1" noRot="1" noChangeAspect="1" noMove="1" noResize="1" noEditPoints="1" noAdjustHandles="1" noChangeArrowheads="1" noChangeShapeType="1" noCrop="1"/>
-          </p:cNvPicPr>
-          <p:nvPr>
-            <p:extLst>
-              <p:ext uri="{386F3935-93C4-4BCD-93E2-E3B085C9AB24}">
-                <p16:designElem xmlns:p16="http://schemas.microsoft.com/office/powerpoint/2015/main" val="1"/>
-              </p:ext>
-            </p:extLst>
-          </p:nvPr>
-        </p:nvPicPr>
-        <p:blipFill rotWithShape="1">
-          <a:blip r:embed="rId2">
-            <a:extLst>
-              <a:ext uri="{28A0092B-C50C-407E-A947-70E740481C1C}">
-                <a14:useLocalDpi xmlns:a14="http://schemas.microsoft.com/office/drawing/2010/main" val="0"/>
-              </a:ext>
-            </a:extLst>
-          </a:blip>
-          <a:srcRect t="1538" b="-1538"/>
-          <a:stretch/>
-        </p:blipFill>
-        <p:spPr bwMode="black">
-          <a:xfrm>
-            <a:off x="0" y="6126480"/>
-            <a:ext cx="12192000" cy="742950"/>
-          </a:xfrm>
-          <a:prstGeom prst="rect">
-            <a:avLst/>
-          </a:prstGeom>
-        </p:spPr>
-      </p:pic>
-      <p:cxnSp>
-        <p:nvCxnSpPr>
-          <p:cNvPr id="16" name="Straight Connector 15">
-            <a:extLst>
-              <a:ext uri="{FF2B5EF4-FFF2-40B4-BE49-F238E27FC236}">
-                <a16:creationId xmlns:a16="http://schemas.microsoft.com/office/drawing/2014/main" id="{FBD463FC-4CA8-4FF4-85A3-AF9F4B98D210}"/>
-              </a:ext>
-              <a:ext uri="{C183D7F6-B498-43B3-948B-1728B52AA6E4}">
-                <adec:decorative xmlns:adec="http://schemas.microsoft.com/office/drawing/2017/decorative" val="1"/>
-              </a:ext>
-            </a:extLst>
-          </p:cNvPr>
-          <p:cNvCxnSpPr>
-            <a:cxnSpLocks noGrp="1" noRot="1" noChangeAspect="1" noMove="1" noResize="1" noEditPoints="1" noAdjustHandles="1" noChangeArrowheads="1" noChangeShapeType="1"/>
-          </p:cNvCxnSpPr>
-          <p:nvPr>
-            <p:extLst>
-              <p:ext uri="{386F3935-93C4-4BCD-93E2-E3B085C9AB24}">
-                <p16:designElem xmlns:p16="http://schemas.microsoft.com/office/powerpoint/2015/main" val="1"/>
-              </p:ext>
-            </p:extLst>
-          </p:nvPr>
-        </p:nvCxnSpPr>
-        <p:spPr>
-          <a:xfrm>
-            <a:off x="0" y="6128413"/>
-            <a:ext cx="12192000" cy="0"/>
-          </a:xfrm>
-          <a:prstGeom prst="line">
-            <a:avLst/>
-          </a:prstGeom>
-          <a:ln w="12700">
-            <a:solidFill>
-              <a:srgbClr val="000001">
-                <a:alpha val="20000"/>
-              </a:srgbClr>
-            </a:solidFill>
-          </a:ln>
-        </p:spPr>
-        <p:style>
-          <a:lnRef idx="1">
-            <a:schemeClr val="accent1"/>
-          </a:lnRef>
-          <a:fillRef idx="0">
-            <a:schemeClr val="accent1"/>
-          </a:fillRef>
-          <a:effectRef idx="0">
-            <a:schemeClr val="accent1"/>
-          </a:effectRef>
-          <a:fontRef idx="minor">
-            <a:schemeClr val="tx1"/>
-          </a:fontRef>
-        </p:style>
-      </p:cxnSp>
-      <p:cxnSp>
-        <p:nvCxnSpPr>
-          <p:cNvPr id="18" name="Straight Connector 17">
-            <a:extLst>
-              <a:ext uri="{FF2B5EF4-FFF2-40B4-BE49-F238E27FC236}">
-                <a16:creationId xmlns:a16="http://schemas.microsoft.com/office/drawing/2014/main" id="{BECF35C3-8B44-4F4B-BD25-4C01823DB22A}"/>
-              </a:ext>
-              <a:ext uri="{C183D7F6-B498-43B3-948B-1728B52AA6E4}">
-                <adec:decorative xmlns:adec="http://schemas.microsoft.com/office/drawing/2017/decorative" val="1"/>
-              </a:ext>
-            </a:extLst>
-          </p:cNvPr>
-          <p:cNvCxnSpPr>
-            <a:cxnSpLocks noGrp="1" noRot="1" noChangeAspect="1" noMove="1" noResize="1" noEditPoints="1" noAdjustHandles="1" noChangeArrowheads="1" noChangeShapeType="1"/>
-          </p:cNvCxnSpPr>
-          <p:nvPr>
-            <p:extLst>
-              <p:ext uri="{386F3935-93C4-4BCD-93E2-E3B085C9AB24}">
-                <p16:designElem xmlns:p16="http://schemas.microsoft.com/office/powerpoint/2015/main" val="1"/>
-              </p:ext>
-            </p:extLst>
-          </p:nvPr>
-        </p:nvCxnSpPr>
-        <p:spPr>
-          <a:xfrm>
-            <a:off x="2417780" y="3528542"/>
-            <a:ext cx="8637072" cy="0"/>
-          </a:xfrm>
-          <a:prstGeom prst="line">
-            <a:avLst/>
-          </a:prstGeom>
-          <a:ln w="31750"/>
-        </p:spPr>
-        <p:style>
-          <a:lnRef idx="3">
-            <a:schemeClr val="accent1"/>
-          </a:lnRef>
-          <a:fillRef idx="0">
-            <a:schemeClr val="accent1"/>
-          </a:fillRef>
-          <a:effectRef idx="2">
-            <a:schemeClr val="accent1"/>
-          </a:effectRef>
-          <a:fontRef idx="minor">
-            <a:schemeClr val="tx1"/>
-          </a:fontRef>
-        </p:style>
-      </p:cxnSp>
-      <p:sp useBgFill="1">
-        <p:nvSpPr>
-          <p:cNvPr id="20" name="Rectangle 19">
-            <a:extLst>
-              <a:ext uri="{FF2B5EF4-FFF2-40B4-BE49-F238E27FC236}">
-                <a16:creationId xmlns:a16="http://schemas.microsoft.com/office/drawing/2014/main" id="{8BC298DB-2D5C-40A1-9A78-6B4A12198A9B}"/>
-              </a:ext>
-              <a:ext uri="{C183D7F6-B498-43B3-948B-1728B52AA6E4}">
-                <adec:decorative xmlns:adec="http://schemas.microsoft.com/office/drawing/2017/decorative" val="1"/>
-              </a:ext>
-            </a:extLst>
-          </p:cNvPr>
-          <p:cNvSpPr>
-            <a:spLocks noGrp="1" noRot="1" noChangeAspect="1" noMove="1" noResize="1" noEditPoints="1" noAdjustHandles="1" noChangeArrowheads="1" noChangeShapeType="1" noTextEdit="1"/>
-          </p:cNvSpPr>
-          <p:nvPr>
-            <p:extLst>
-              <p:ext uri="{386F3935-93C4-4BCD-93E2-E3B085C9AB24}">
-                <p16:designElem xmlns:p16="http://schemas.microsoft.com/office/powerpoint/2015/main" val="1"/>
-              </p:ext>
-            </p:extLst>
-          </p:nvPr>
-        </p:nvSpPr>
-        <p:spPr>
-          <a:xfrm>
-            <a:off x="2" y="0"/>
-            <a:ext cx="12191695" cy="6858000"/>
-          </a:xfrm>
-          <a:prstGeom prst="rect">
-            <a:avLst/>
-          </a:prstGeom>
-          <a:ln>
-            <a:noFill/>
-          </a:ln>
-        </p:spPr>
-        <p:style>
-          <a:lnRef idx="2">
-            <a:schemeClr val="accent1">
-              <a:shade val="50000"/>
-            </a:schemeClr>
-          </a:lnRef>
-          <a:fillRef idx="1">
-            <a:schemeClr val="accent1"/>
-          </a:fillRef>
-          <a:effectRef idx="0">
-            <a:schemeClr val="accent1"/>
-          </a:effectRef>
-          <a:fontRef idx="minor">
-            <a:schemeClr val="lt1"/>
-          </a:fontRef>
-        </p:style>
-        <p:txBody>
-          <a:bodyPr rtlCol="0" anchor="ctr"/>
-          <a:lstStyle/>
-          <a:p>
-            <a:pPr algn="ctr"/>
-            <a:endParaRPr lang="en-US"/>
-          </a:p>
-        </p:txBody>
-      </p:sp>
-      <p:sp>
-        <p:nvSpPr>
-          <p:cNvPr id="22" name="Rectangle 21">
-            <a:extLst>
-              <a:ext uri="{FF2B5EF4-FFF2-40B4-BE49-F238E27FC236}">
-                <a16:creationId xmlns:a16="http://schemas.microsoft.com/office/drawing/2014/main" id="{35C2355B-7CE9-4192-9142-A41CA0A0C08B}"/>
-              </a:ext>
-              <a:ext uri="{C183D7F6-B498-43B3-948B-1728B52AA6E4}">
-                <adec:decorative xmlns:adec="http://schemas.microsoft.com/office/drawing/2017/decorative" val="1"/>
-              </a:ext>
-            </a:extLst>
-          </p:cNvPr>
-          <p:cNvSpPr>
-            <a:spLocks noGrp="1" noRot="1" noChangeAspect="1" noMove="1" noResize="1" noEditPoints="1" noAdjustHandles="1" noChangeArrowheads="1" noChangeShapeType="1" noTextEdit="1"/>
-          </p:cNvSpPr>
-          <p:nvPr>
-            <p:extLst>
-              <p:ext uri="{386F3935-93C4-4BCD-93E2-E3B085C9AB24}">
-                <p16:designElem xmlns:p16="http://schemas.microsoft.com/office/powerpoint/2015/main" val="1"/>
-              </p:ext>
-            </p:extLst>
-          </p:nvPr>
-        </p:nvSpPr>
-        <p:spPr>
-          <a:xfrm>
-            <a:off x="0" y="2019476"/>
-            <a:ext cx="12192000" cy="4105941"/>
-          </a:xfrm>
-          <a:prstGeom prst="rect">
-            <a:avLst/>
-          </a:prstGeom>
-          <a:gradFill flip="none" rotWithShape="1">
-            <a:gsLst>
-              <a:gs pos="0">
-                <a:schemeClr val="bg2">
-                  <a:alpha val="0"/>
-                </a:schemeClr>
-              </a:gs>
-              <a:gs pos="100000">
-                <a:schemeClr val="bg2"/>
-              </a:gs>
-            </a:gsLst>
-            <a:lin ang="5400000" scaled="0"/>
-            <a:tileRect/>
-          </a:gradFill>
-          <a:ln>
-            <a:noFill/>
-          </a:ln>
-        </p:spPr>
-        <p:style>
-          <a:lnRef idx="2">
-            <a:schemeClr val="accent1">
-              <a:shade val="50000"/>
-            </a:schemeClr>
-          </a:lnRef>
-          <a:fillRef idx="1">
-            <a:schemeClr val="accent1"/>
-          </a:fillRef>
-          <a:effectRef idx="0">
-            <a:schemeClr val="accent1"/>
-          </a:effectRef>
-          <a:fontRef idx="minor">
-            <a:schemeClr val="lt1"/>
-          </a:fontRef>
-        </p:style>
-        <p:txBody>
-          <a:bodyPr rtlCol="0" anchor="ctr"/>
-          <a:lstStyle/>
-          <a:p>
-            <a:pPr lvl="0" algn="ctr"/>
-            <a:endParaRPr lang="en-US"/>
-          </a:p>
-        </p:txBody>
-      </p:sp>
-      <p:sp>
-        <p:nvSpPr>
-          <p:cNvPr id="2" name="Title 1">
-            <a:extLst>
-              <a:ext uri="{FF2B5EF4-FFF2-40B4-BE49-F238E27FC236}">
-                <a16:creationId xmlns:a16="http://schemas.microsoft.com/office/drawing/2014/main" id="{6286FC3A-AD00-584E-8A59-79637B14BE52}"/>
-              </a:ext>
-            </a:extLst>
-          </p:cNvPr>
-          <p:cNvSpPr>
-            <a:spLocks noGrp="1"/>
-          </p:cNvSpPr>
-          <p:nvPr>
-            <p:ph type="title"/>
-          </p:nvPr>
-        </p:nvSpPr>
-        <p:spPr>
-          <a:xfrm>
-            <a:off x="6585200" y="967167"/>
-            <a:ext cx="4151306" cy="2374516"/>
-          </a:xfrm>
-        </p:spPr>
-        <p:txBody>
-          <a:bodyPr vert="horz" lIns="91440" tIns="45720" rIns="91440" bIns="0" rtlCol="0" anchor="b">
-            <a:normAutofit/>
-          </a:bodyPr>
-          <a:lstStyle/>
-          <a:p>
-            <a:r>
-              <a:rPr lang="en-US" sz="4100" dirty="0"/>
-              <a:t>Examples of the </a:t>
-            </a:r>
-            <a:r>
-              <a:rPr lang="en-US" sz="4100"/>
-              <a:t>visualisations</a:t>
-            </a:r>
-            <a:r>
-              <a:rPr lang="en-US" sz="4100" dirty="0"/>
-              <a:t> </a:t>
-            </a:r>
-          </a:p>
-        </p:txBody>
-      </p:sp>
-      <p:sp>
-        <p:nvSpPr>
-          <p:cNvPr id="3" name="Content Placeholder 2">
-            <a:extLst>
-              <a:ext uri="{FF2B5EF4-FFF2-40B4-BE49-F238E27FC236}">
-                <a16:creationId xmlns:a16="http://schemas.microsoft.com/office/drawing/2014/main" id="{14499A12-F068-3547-964B-56759BA59D53}"/>
-              </a:ext>
-            </a:extLst>
-          </p:cNvPr>
-          <p:cNvSpPr>
-            <a:spLocks noGrp="1"/>
-          </p:cNvSpPr>
-          <p:nvPr>
-            <p:ph idx="1"/>
-          </p:nvPr>
-        </p:nvSpPr>
-        <p:spPr>
-          <a:xfrm>
-            <a:off x="6579647" y="3529159"/>
-            <a:ext cx="4162489" cy="1606576"/>
-          </a:xfrm>
-        </p:spPr>
-        <p:txBody>
-          <a:bodyPr vert="horz" lIns="91440" tIns="91440" rIns="91440" bIns="91440" rtlCol="0">
-            <a:normAutofit/>
-          </a:bodyPr>
-          <a:lstStyle/>
-          <a:p>
-            <a:pPr marL="0" indent="0">
-              <a:buNone/>
-            </a:pPr>
-            <a:r>
-              <a:rPr lang="en-US" sz="1600" cap="all"/>
-              <a:t>Go to website LINK</a:t>
-            </a:r>
-          </a:p>
-        </p:txBody>
-      </p:sp>
-      <p:pic>
-        <p:nvPicPr>
-          <p:cNvPr id="7" name="Picture 6" descr="A person pouring a glass of wine&#10;&#10;Description automatically generated with low confidence">
-            <a:extLst>
-              <a:ext uri="{FF2B5EF4-FFF2-40B4-BE49-F238E27FC236}">
-                <a16:creationId xmlns:a16="http://schemas.microsoft.com/office/drawing/2014/main" id="{F1377BC1-0531-B948-97CB-8E49710E046C}"/>
-              </a:ext>
-            </a:extLst>
-          </p:cNvPr>
-          <p:cNvPicPr>
-            <a:picLocks noChangeAspect="1"/>
-          </p:cNvPicPr>
-          <p:nvPr/>
-        </p:nvPicPr>
-        <p:blipFill>
-          <a:blip r:embed="rId3"/>
-          <a:stretch>
-            <a:fillRect/>
-          </a:stretch>
-        </p:blipFill>
-        <p:spPr>
-          <a:xfrm>
-            <a:off x="1130029" y="1747040"/>
-            <a:ext cx="4960442" cy="2777847"/>
-          </a:xfrm>
-          <a:prstGeom prst="rect">
-            <a:avLst/>
-          </a:prstGeom>
-        </p:spPr>
-      </p:pic>
-      <p:cxnSp>
-        <p:nvCxnSpPr>
-          <p:cNvPr id="24" name="Straight Connector 23">
-            <a:extLst>
-              <a:ext uri="{FF2B5EF4-FFF2-40B4-BE49-F238E27FC236}">
-                <a16:creationId xmlns:a16="http://schemas.microsoft.com/office/drawing/2014/main" id="{06D05ED8-39E4-42F8-92CB-704C2BD0D215}"/>
-              </a:ext>
-              <a:ext uri="{C183D7F6-B498-43B3-948B-1728B52AA6E4}">
-                <adec:decorative xmlns:adec="http://schemas.microsoft.com/office/drawing/2017/decorative" val="1"/>
-              </a:ext>
-            </a:extLst>
-          </p:cNvPr>
-          <p:cNvCxnSpPr>
-            <a:cxnSpLocks noGrp="1" noRot="1" noChangeAspect="1" noMove="1" noResize="1" noEditPoints="1" noAdjustHandles="1" noChangeArrowheads="1" noChangeShapeType="1"/>
-          </p:cNvCxnSpPr>
-          <p:nvPr>
-            <p:extLst>
-              <p:ext uri="{386F3935-93C4-4BCD-93E2-E3B085C9AB24}">
-                <p16:designElem xmlns:p16="http://schemas.microsoft.com/office/powerpoint/2015/main" val="1"/>
-              </p:ext>
-            </p:extLst>
-          </p:nvPr>
-        </p:nvCxnSpPr>
-        <p:spPr>
-          <a:xfrm>
-            <a:off x="6579647" y="3526496"/>
-            <a:ext cx="4149931" cy="0"/>
-          </a:xfrm>
-          <a:prstGeom prst="line">
-            <a:avLst/>
-          </a:prstGeom>
-          <a:ln w="31750"/>
-        </p:spPr>
-        <p:style>
-          <a:lnRef idx="3">
-            <a:schemeClr val="accent1"/>
-          </a:lnRef>
-          <a:fillRef idx="0">
-            <a:schemeClr val="accent1"/>
-          </a:fillRef>
-          <a:effectRef idx="2">
-            <a:schemeClr val="accent1"/>
-          </a:effectRef>
-          <a:fontRef idx="minor">
-            <a:schemeClr val="tx1"/>
-          </a:fontRef>
-        </p:style>
-      </p:cxnSp>
-      <p:pic>
-        <p:nvPicPr>
-          <p:cNvPr id="26" name="Picture 25">
-            <a:extLst>
-              <a:ext uri="{FF2B5EF4-FFF2-40B4-BE49-F238E27FC236}">
-                <a16:creationId xmlns:a16="http://schemas.microsoft.com/office/drawing/2014/main" id="{45CE2E7C-6AA3-4710-825D-4CDDF788C7BC}"/>
-              </a:ext>
-              <a:ext uri="{C183D7F6-B498-43B3-948B-1728B52AA6E4}">
-                <adec:decorative xmlns:adec="http://schemas.microsoft.com/office/drawing/2017/decorative" val="1"/>
-              </a:ext>
-            </a:extLst>
-          </p:cNvPr>
-          <p:cNvPicPr>
-            <a:picLocks noGrp="1" noRot="1" noChangeAspect="1" noMove="1" noResize="1" noEditPoints="1" noAdjustHandles="1" noChangeArrowheads="1" noChangeShapeType="1" noCrop="1"/>
-          </p:cNvPicPr>
-          <p:nvPr>
-            <p:extLst>
-              <p:ext uri="{386F3935-93C4-4BCD-93E2-E3B085C9AB24}">
-                <p16:designElem xmlns:p16="http://schemas.microsoft.com/office/powerpoint/2015/main" val="1"/>
-              </p:ext>
-            </p:extLst>
-          </p:nvPr>
-        </p:nvPicPr>
-        <p:blipFill rotWithShape="1">
-          <a:blip r:embed="rId2">
-            <a:extLst>
-              <a:ext uri="{28A0092B-C50C-407E-A947-70E740481C1C}">
-                <a14:useLocalDpi xmlns:a14="http://schemas.microsoft.com/office/drawing/2010/main" val="0"/>
-              </a:ext>
-            </a:extLst>
-          </a:blip>
-          <a:srcRect t="1538" b="-1538"/>
-          <a:stretch/>
-        </p:blipFill>
-        <p:spPr bwMode="black">
-          <a:xfrm>
-            <a:off x="0" y="6126480"/>
-            <a:ext cx="12192000" cy="742950"/>
-          </a:xfrm>
-          <a:prstGeom prst="rect">
-            <a:avLst/>
-          </a:prstGeom>
-        </p:spPr>
-      </p:pic>
-      <p:cxnSp>
-        <p:nvCxnSpPr>
-          <p:cNvPr id="28" name="Straight Connector 27">
-            <a:extLst>
-              <a:ext uri="{FF2B5EF4-FFF2-40B4-BE49-F238E27FC236}">
-                <a16:creationId xmlns:a16="http://schemas.microsoft.com/office/drawing/2014/main" id="{3256C6C3-0EDC-4651-AB37-9F26CFAA6C86}"/>
-              </a:ext>
-              <a:ext uri="{C183D7F6-B498-43B3-948B-1728B52AA6E4}">
-                <adec:decorative xmlns:adec="http://schemas.microsoft.com/office/drawing/2017/decorative" val="1"/>
-              </a:ext>
-            </a:extLst>
-          </p:cNvPr>
-          <p:cNvCxnSpPr>
-            <a:cxnSpLocks noGrp="1" noRot="1" noChangeAspect="1" noMove="1" noResize="1" noEditPoints="1" noAdjustHandles="1" noChangeArrowheads="1" noChangeShapeType="1"/>
-          </p:cNvCxnSpPr>
-          <p:nvPr>
-            <p:extLst>
-              <p:ext uri="{386F3935-93C4-4BCD-93E2-E3B085C9AB24}">
-                <p16:designElem xmlns:p16="http://schemas.microsoft.com/office/powerpoint/2015/main" val="1"/>
-              </p:ext>
-            </p:extLst>
-          </p:nvPr>
-        </p:nvCxnSpPr>
-        <p:spPr>
-          <a:xfrm>
-            <a:off x="0" y="6128413"/>
-            <a:ext cx="12192000" cy="0"/>
-          </a:xfrm>
-          <a:prstGeom prst="line">
-            <a:avLst/>
-          </a:prstGeom>
-          <a:ln w="12700">
-            <a:solidFill>
-              <a:srgbClr val="000001">
-                <a:alpha val="20000"/>
-              </a:srgbClr>
-            </a:solidFill>
-          </a:ln>
-        </p:spPr>
-        <p:style>
-          <a:lnRef idx="1">
-            <a:schemeClr val="accent1"/>
-          </a:lnRef>
-          <a:fillRef idx="0">
-            <a:schemeClr val="accent1"/>
-          </a:fillRef>
-          <a:effectRef idx="0">
-            <a:schemeClr val="accent1"/>
-          </a:effectRef>
-          <a:fontRef idx="minor">
-            <a:schemeClr val="tx1"/>
-          </a:fontRef>
-        </p:style>
-      </p:cxnSp>
-    </p:spTree>
-    <p:extLst>
-      <p:ext uri="{BB962C8B-B14F-4D97-AF65-F5344CB8AC3E}">
-        <p14:creationId xmlns:p14="http://schemas.microsoft.com/office/powerpoint/2010/main" val="3284770987"/>
       </p:ext>
     </p:extLst>
   </p:cSld>
@@ -5218,6 +5557,327 @@
           <a:chExt cx="0" cy="0"/>
         </a:xfrm>
       </p:grpSpPr>
+      <p:graphicFrame>
+        <p:nvGraphicFramePr>
+          <p:cNvPr id="4" name="Object 3" hidden="1">
+            <a:extLst>
+              <a:ext uri="{FF2B5EF4-FFF2-40B4-BE49-F238E27FC236}">
+                <a16:creationId xmlns:a16="http://schemas.microsoft.com/office/drawing/2014/main" id="{89EBA8B9-6ADF-465B-872A-65D8C9868555}"/>
+              </a:ext>
+            </a:extLst>
+          </p:cNvPr>
+          <p:cNvGraphicFramePr>
+            <a:graphicFrameLocks noChangeAspect="1"/>
+          </p:cNvGraphicFramePr>
+          <p:nvPr>
+            <p:custDataLst>
+              <p:tags r:id="rId2"/>
+            </p:custDataLst>
+            <p:extLst>
+              <p:ext uri="{D42A27DB-BD31-4B8C-83A1-F6EECF244321}">
+                <p14:modId xmlns:p14="http://schemas.microsoft.com/office/powerpoint/2010/main" val="936220219"/>
+              </p:ext>
+            </p:extLst>
+          </p:nvPr>
+        </p:nvGraphicFramePr>
+        <p:xfrm>
+          <a:off x="1588" y="1588"/>
+          <a:ext cx="1588" cy="1588"/>
+        </p:xfrm>
+        <a:graphic>
+          <a:graphicData uri="http://schemas.openxmlformats.org/presentationml/2006/ole">
+            <mc:AlternateContent xmlns:mc="http://schemas.openxmlformats.org/markup-compatibility/2006">
+              <mc:Choice xmlns:v="urn:schemas-microsoft-com:vml" Requires="v">
+                <p:oleObj spid="_x0000_s3074" name="think-cell Slide" r:id="rId4" imgW="411" imgH="411" progId="TCLayout.ActiveDocument.1">
+                  <p:embed/>
+                </p:oleObj>
+              </mc:Choice>
+              <mc:Fallback>
+                <p:oleObj name="think-cell Slide" r:id="rId4" imgW="411" imgH="411" progId="TCLayout.ActiveDocument.1">
+                  <p:embed/>
+                  <p:pic>
+                    <p:nvPicPr>
+                      <p:cNvPr id="4" name="Object 3" hidden="1">
+                        <a:extLst>
+                          <a:ext uri="{FF2B5EF4-FFF2-40B4-BE49-F238E27FC236}">
+                            <a16:creationId xmlns:a16="http://schemas.microsoft.com/office/drawing/2014/main" id="{89EBA8B9-6ADF-465B-872A-65D8C9868555}"/>
+                          </a:ext>
+                        </a:extLst>
+                      </p:cNvPr>
+                      <p:cNvPicPr/>
+                      <p:nvPr/>
+                    </p:nvPicPr>
+                    <p:blipFill>
+                      <a:blip r:embed="rId5"/>
+                      <a:stretch>
+                        <a:fillRect/>
+                      </a:stretch>
+                    </p:blipFill>
+                    <p:spPr>
+                      <a:xfrm>
+                        <a:off x="1588" y="1588"/>
+                        <a:ext cx="1588" cy="1588"/>
+                      </a:xfrm>
+                      <a:prstGeom prst="rect">
+                        <a:avLst/>
+                      </a:prstGeom>
+                    </p:spPr>
+                  </p:pic>
+                </p:oleObj>
+              </mc:Fallback>
+            </mc:AlternateContent>
+          </a:graphicData>
+        </a:graphic>
+      </p:graphicFrame>
+      <p:pic>
+        <p:nvPicPr>
+          <p:cNvPr id="23" name="Picture 22">
+            <a:extLst>
+              <a:ext uri="{FF2B5EF4-FFF2-40B4-BE49-F238E27FC236}">
+                <a16:creationId xmlns:a16="http://schemas.microsoft.com/office/drawing/2014/main" id="{596DEEAF-8F92-4BCD-B81A-EAE62871DDC0}"/>
+              </a:ext>
+            </a:extLst>
+          </p:cNvPr>
+          <p:cNvPicPr>
+            <a:picLocks noChangeAspect="1"/>
+          </p:cNvPicPr>
+          <p:nvPr/>
+        </p:nvPicPr>
+        <p:blipFill>
+          <a:blip r:embed="rId6"/>
+          <a:stretch>
+            <a:fillRect/>
+          </a:stretch>
+        </p:blipFill>
+        <p:spPr>
+          <a:xfrm>
+            <a:off x="3176" y="0"/>
+            <a:ext cx="12188521" cy="6858000"/>
+          </a:xfrm>
+          <a:prstGeom prst="rect">
+            <a:avLst/>
+          </a:prstGeom>
+        </p:spPr>
+      </p:pic>
+      <p:sp>
+        <p:nvSpPr>
+          <p:cNvPr id="2" name="Title 1">
+            <a:extLst>
+              <a:ext uri="{FF2B5EF4-FFF2-40B4-BE49-F238E27FC236}">
+                <a16:creationId xmlns:a16="http://schemas.microsoft.com/office/drawing/2014/main" id="{6286FC3A-AD00-584E-8A59-79637B14BE52}"/>
+              </a:ext>
+            </a:extLst>
+          </p:cNvPr>
+          <p:cNvSpPr>
+            <a:spLocks noGrp="1"/>
+          </p:cNvSpPr>
+          <p:nvPr>
+            <p:ph type="title"/>
+          </p:nvPr>
+        </p:nvSpPr>
+        <p:spPr>
+          <a:xfrm>
+            <a:off x="1451579" y="1289549"/>
+            <a:ext cx="9603275" cy="1049235"/>
+          </a:xfrm>
+        </p:spPr>
+        <p:txBody>
+          <a:bodyPr vert="horz" lIns="91440" tIns="45720" rIns="91440" bIns="0" rtlCol="0" anchor="b">
+            <a:normAutofit/>
+          </a:bodyPr>
+          <a:lstStyle/>
+          <a:p>
+            <a:r>
+              <a:rPr lang="en-US" sz="4100" dirty="0">
+                <a:solidFill>
+                  <a:schemeClr val="bg1"/>
+                </a:solidFill>
+              </a:rPr>
+              <a:t>DEPLOYMENT TO HEROKU</a:t>
+            </a:r>
+          </a:p>
+        </p:txBody>
+      </p:sp>
+      <p:sp>
+        <p:nvSpPr>
+          <p:cNvPr id="3" name="Content Placeholder 2">
+            <a:extLst>
+              <a:ext uri="{FF2B5EF4-FFF2-40B4-BE49-F238E27FC236}">
+                <a16:creationId xmlns:a16="http://schemas.microsoft.com/office/drawing/2014/main" id="{14499A12-F068-3547-964B-56759BA59D53}"/>
+              </a:ext>
+            </a:extLst>
+          </p:cNvPr>
+          <p:cNvSpPr>
+            <a:spLocks noGrp="1"/>
+          </p:cNvSpPr>
+          <p:nvPr>
+            <p:ph idx="1"/>
+          </p:nvPr>
+        </p:nvSpPr>
+        <p:spPr>
+          <a:xfrm>
+            <a:off x="1451579" y="2500762"/>
+            <a:ext cx="9603275" cy="3450613"/>
+          </a:xfrm>
+        </p:spPr>
+        <p:txBody>
+          <a:bodyPr vert="horz" lIns="91440" tIns="91440" rIns="91440" bIns="91440" rtlCol="0">
+            <a:normAutofit/>
+          </a:bodyPr>
+          <a:lstStyle/>
+          <a:p>
+            <a:pPr marL="0" indent="0">
+              <a:buNone/>
+            </a:pPr>
+            <a:r>
+              <a:rPr lang="en-AU" sz="1600" dirty="0">
+                <a:solidFill>
+                  <a:schemeClr val="bg1"/>
+                </a:solidFill>
+                <a:hlinkClick r:id="rId7">
+                  <a:extLst>
+                    <a:ext uri="{A12FA001-AC4F-418D-AE19-62706E023703}">
+                      <ahyp:hlinkClr xmlns:ahyp="http://schemas.microsoft.com/office/drawing/2018/hyperlinkcolor" val="tx"/>
+                    </a:ext>
+                  </a:extLst>
+                </a:hlinkClick>
+              </a:rPr>
+              <a:t>Whisky Discography (whisky-discography.herokuapp.com)</a:t>
+            </a:r>
+            <a:endParaRPr lang="en-US" sz="1600" cap="all" dirty="0">
+              <a:solidFill>
+                <a:schemeClr val="bg1"/>
+              </a:solidFill>
+            </a:endParaRPr>
+          </a:p>
+        </p:txBody>
+      </p:sp>
+    </p:spTree>
+    <p:extLst>
+      <p:ext uri="{BB962C8B-B14F-4D97-AF65-F5344CB8AC3E}">
+        <p14:creationId xmlns:p14="http://schemas.microsoft.com/office/powerpoint/2010/main" val="3284770987"/>
+      </p:ext>
+    </p:extLst>
+  </p:cSld>
+  <p:clrMapOvr>
+    <a:masterClrMapping/>
+  </p:clrMapOvr>
+</p:sld>
+</file>
+
+<file path=ppt/slides/slide6.xml><?xml version="1.0" encoding="utf-8"?>
+<p:sld xmlns:a="http://schemas.openxmlformats.org/drawingml/2006/main" xmlns:r="http://schemas.openxmlformats.org/officeDocument/2006/relationships" xmlns:p="http://schemas.openxmlformats.org/presentationml/2006/main">
+  <p:cSld>
+    <p:bg>
+      <p:bgPr>
+        <a:gradFill rotWithShape="1">
+          <a:gsLst>
+            <a:gs pos="0">
+              <a:schemeClr val="bg2">
+                <a:tint val="94000"/>
+                <a:satMod val="80000"/>
+                <a:lumMod val="106000"/>
+              </a:schemeClr>
+            </a:gs>
+            <a:gs pos="100000">
+              <a:schemeClr val="bg2">
+                <a:shade val="80000"/>
+              </a:schemeClr>
+            </a:gs>
+          </a:gsLst>
+          <a:path path="circle">
+            <a:fillToRect l="43000" r="43000" b="100000"/>
+          </a:path>
+        </a:gradFill>
+        <a:effectLst/>
+      </p:bgPr>
+    </p:bg>
+    <p:spTree>
+      <p:nvGrpSpPr>
+        <p:cNvPr id="1" name=""/>
+        <p:cNvGrpSpPr/>
+        <p:nvPr/>
+      </p:nvGrpSpPr>
+      <p:grpSpPr>
+        <a:xfrm>
+          <a:off x="0" y="0"/>
+          <a:ext cx="0" cy="0"/>
+          <a:chOff x="0" y="0"/>
+          <a:chExt cx="0" cy="0"/>
+        </a:xfrm>
+      </p:grpSpPr>
+      <p:graphicFrame>
+        <p:nvGraphicFramePr>
+          <p:cNvPr id="4" name="Object 3" hidden="1">
+            <a:extLst>
+              <a:ext uri="{FF2B5EF4-FFF2-40B4-BE49-F238E27FC236}">
+                <a16:creationId xmlns:a16="http://schemas.microsoft.com/office/drawing/2014/main" id="{66DEF727-79B1-4CE2-AA6B-E424C00C13D9}"/>
+              </a:ext>
+            </a:extLst>
+          </p:cNvPr>
+          <p:cNvGraphicFramePr>
+            <a:graphicFrameLocks noChangeAspect="1"/>
+          </p:cNvGraphicFramePr>
+          <p:nvPr>
+            <p:custDataLst>
+              <p:tags r:id="rId2"/>
+            </p:custDataLst>
+            <p:extLst>
+              <p:ext uri="{D42A27DB-BD31-4B8C-83A1-F6EECF244321}">
+                <p14:modId xmlns:p14="http://schemas.microsoft.com/office/powerpoint/2010/main" val="234437974"/>
+              </p:ext>
+            </p:extLst>
+          </p:nvPr>
+        </p:nvGraphicFramePr>
+        <p:xfrm>
+          <a:off x="1588" y="1588"/>
+          <a:ext cx="1588" cy="1588"/>
+        </p:xfrm>
+        <a:graphic>
+          <a:graphicData uri="http://schemas.openxmlformats.org/presentationml/2006/ole">
+            <mc:AlternateContent xmlns:mc="http://schemas.openxmlformats.org/markup-compatibility/2006">
+              <mc:Choice xmlns:v="urn:schemas-microsoft-com:vml" Requires="v">
+                <p:oleObj spid="_x0000_s4098" name="think-cell Slide" r:id="rId4" imgW="411" imgH="411" progId="TCLayout.ActiveDocument.1">
+                  <p:embed/>
+                </p:oleObj>
+              </mc:Choice>
+              <mc:Fallback>
+                <p:oleObj name="think-cell Slide" r:id="rId4" imgW="411" imgH="411" progId="TCLayout.ActiveDocument.1">
+                  <p:embed/>
+                  <p:pic>
+                    <p:nvPicPr>
+                      <p:cNvPr id="4" name="Object 3" hidden="1">
+                        <a:extLst>
+                          <a:ext uri="{FF2B5EF4-FFF2-40B4-BE49-F238E27FC236}">
+                            <a16:creationId xmlns:a16="http://schemas.microsoft.com/office/drawing/2014/main" id="{66DEF727-79B1-4CE2-AA6B-E424C00C13D9}"/>
+                          </a:ext>
+                        </a:extLst>
+                      </p:cNvPr>
+                      <p:cNvPicPr/>
+                      <p:nvPr/>
+                    </p:nvPicPr>
+                    <p:blipFill>
+                      <a:blip r:embed="rId5"/>
+                      <a:stretch>
+                        <a:fillRect/>
+                      </a:stretch>
+                    </p:blipFill>
+                    <p:spPr>
+                      <a:xfrm>
+                        <a:off x="1588" y="1588"/>
+                        <a:ext cx="1588" cy="1588"/>
+                      </a:xfrm>
+                      <a:prstGeom prst="rect">
+                        <a:avLst/>
+                      </a:prstGeom>
+                    </p:spPr>
+                  </p:pic>
+                </p:oleObj>
+              </mc:Fallback>
+            </mc:AlternateContent>
+          </a:graphicData>
+        </a:graphic>
+      </p:graphicFrame>
       <p:pic>
         <p:nvPicPr>
           <p:cNvPr id="5" name="Picture 4" descr="A picture containing wooden&#10;&#10;Description automatically generated">
@@ -5233,7 +5893,7 @@
           <p:nvPr/>
         </p:nvPicPr>
         <p:blipFill rotWithShape="1">
-          <a:blip r:embed="rId2"/>
+          <a:blip r:embed="rId6"/>
           <a:srcRect l="6764" r="4793" b="-1"/>
           <a:stretch/>
         </p:blipFill>
@@ -5333,18 +5993,18 @@
           </a:xfrm>
         </p:spPr>
         <p:txBody>
-          <a:bodyPr>
+          <a:bodyPr vert="horz">
             <a:normAutofit/>
           </a:bodyPr>
           <a:lstStyle/>
           <a:p>
             <a:r>
-              <a:rPr lang="en-US">
+              <a:rPr lang="en-US" dirty="0">
                 <a:solidFill>
                   <a:srgbClr val="FFFFFE"/>
                 </a:solidFill>
               </a:rPr>
-              <a:t>Conclusions and next steps </a:t>
+              <a:t>Conclusions</a:t>
             </a:r>
           </a:p>
         </p:txBody>
@@ -5440,7 +6100,22 @@
                   <a:srgbClr val="FFFFFE"/>
                 </a:solidFill>
               </a:rPr>
-              <a:t>The highest rated Whisky was in XXX</a:t>
+              <a:t>The highest rated whisky was in Italy, however it only had one vote.</a:t>
+            </a:r>
+          </a:p>
+          <a:p>
+            <a:pPr lvl="1">
+              <a:buClr>
+                <a:srgbClr val="AE874D"/>
+              </a:buClr>
+            </a:pPr>
+            <a:r>
+              <a:rPr lang="en-US" dirty="0">
+                <a:solidFill>
+                  <a:srgbClr val="FFFFFE"/>
+                </a:solidFill>
+              </a:rPr>
+              <a:t>Perhaps its distiller was a bit biased?</a:t>
             </a:r>
           </a:p>
           <a:p>
@@ -5455,7 +6130,37 @@
                   <a:srgbClr val="FFFFFE"/>
                 </a:solidFill>
               </a:rPr>
-              <a:t>Our website can be used by Whisky fans to find their next whisky to sample. They could also use the website to plan their next Whisky road trip! </a:t>
+              <a:t>United States had the most distilleries.</a:t>
+            </a:r>
+          </a:p>
+          <a:p>
+            <a:pPr>
+              <a:buClr>
+                <a:srgbClr val="AE874D"/>
+              </a:buClr>
+            </a:pPr>
+            <a:r>
+              <a:rPr lang="en-US" dirty="0">
+                <a:solidFill>
+                  <a:srgbClr val="FFFFFE"/>
+                </a:solidFill>
+              </a:rPr>
+              <a:t>Scotland had the most reviewed distilleries.</a:t>
+            </a:r>
+          </a:p>
+          <a:p>
+            <a:pPr>
+              <a:buClr>
+                <a:srgbClr val="AE874D"/>
+              </a:buClr>
+            </a:pPr>
+            <a:r>
+              <a:rPr lang="en-US" dirty="0">
+                <a:solidFill>
+                  <a:srgbClr val="FFFFFE"/>
+                </a:solidFill>
+              </a:rPr>
+              <a:t>Our website can be used by Whisky fans to find their next whisky to sample. They could also use the website to plan their next  Whisky road trip!</a:t>
             </a:r>
           </a:p>
           <a:p>
@@ -5483,6 +6188,502 @@
     <a:masterClrMapping/>
   </p:clrMapOvr>
 </p:sld>
+</file>
+
+<file path=ppt/slides/slide7.xml><?xml version="1.0" encoding="utf-8"?>
+<p:sld xmlns:a="http://schemas.openxmlformats.org/drawingml/2006/main" xmlns:r="http://schemas.openxmlformats.org/officeDocument/2006/relationships" xmlns:p="http://schemas.openxmlformats.org/presentationml/2006/main">
+  <p:cSld>
+    <p:bg>
+      <p:bgPr>
+        <a:gradFill rotWithShape="1">
+          <a:gsLst>
+            <a:gs pos="0">
+              <a:schemeClr val="bg2">
+                <a:tint val="94000"/>
+                <a:satMod val="80000"/>
+                <a:lumMod val="106000"/>
+              </a:schemeClr>
+            </a:gs>
+            <a:gs pos="100000">
+              <a:schemeClr val="bg2">
+                <a:shade val="80000"/>
+              </a:schemeClr>
+            </a:gs>
+          </a:gsLst>
+          <a:path path="circle">
+            <a:fillToRect l="43000" r="43000" b="100000"/>
+          </a:path>
+        </a:gradFill>
+        <a:effectLst/>
+      </p:bgPr>
+    </p:bg>
+    <p:spTree>
+      <p:nvGrpSpPr>
+        <p:cNvPr id="1" name=""/>
+        <p:cNvGrpSpPr/>
+        <p:nvPr/>
+      </p:nvGrpSpPr>
+      <p:grpSpPr>
+        <a:xfrm>
+          <a:off x="0" y="0"/>
+          <a:ext cx="0" cy="0"/>
+          <a:chOff x="0" y="0"/>
+          <a:chExt cx="0" cy="0"/>
+        </a:xfrm>
+      </p:grpSpPr>
+      <p:graphicFrame>
+        <p:nvGraphicFramePr>
+          <p:cNvPr id="4" name="Object 3" hidden="1">
+            <a:extLst>
+              <a:ext uri="{FF2B5EF4-FFF2-40B4-BE49-F238E27FC236}">
+                <a16:creationId xmlns:a16="http://schemas.microsoft.com/office/drawing/2014/main" id="{66DEF727-79B1-4CE2-AA6B-E424C00C13D9}"/>
+              </a:ext>
+            </a:extLst>
+          </p:cNvPr>
+          <p:cNvGraphicFramePr>
+            <a:graphicFrameLocks noChangeAspect="1"/>
+          </p:cNvGraphicFramePr>
+          <p:nvPr>
+            <p:custDataLst>
+              <p:tags r:id="rId2"/>
+            </p:custDataLst>
+            <p:extLst>
+              <p:ext uri="{D42A27DB-BD31-4B8C-83A1-F6EECF244321}">
+                <p14:modId xmlns:p14="http://schemas.microsoft.com/office/powerpoint/2010/main" val="1441739109"/>
+              </p:ext>
+            </p:extLst>
+          </p:nvPr>
+        </p:nvGraphicFramePr>
+        <p:xfrm>
+          <a:off x="1588" y="1588"/>
+          <a:ext cx="1588" cy="1588"/>
+        </p:xfrm>
+        <a:graphic>
+          <a:graphicData uri="http://schemas.openxmlformats.org/presentationml/2006/ole">
+            <mc:AlternateContent xmlns:mc="http://schemas.openxmlformats.org/markup-compatibility/2006">
+              <mc:Choice xmlns:v="urn:schemas-microsoft-com:vml" Requires="v">
+                <p:oleObj spid="_x0000_s5122" name="think-cell Slide" r:id="rId4" imgW="411" imgH="411" progId="TCLayout.ActiveDocument.1">
+                  <p:embed/>
+                </p:oleObj>
+              </mc:Choice>
+              <mc:Fallback>
+                <p:oleObj name="think-cell Slide" r:id="rId4" imgW="411" imgH="411" progId="TCLayout.ActiveDocument.1">
+                  <p:embed/>
+                  <p:pic>
+                    <p:nvPicPr>
+                      <p:cNvPr id="4" name="Object 3" hidden="1">
+                        <a:extLst>
+                          <a:ext uri="{FF2B5EF4-FFF2-40B4-BE49-F238E27FC236}">
+                            <a16:creationId xmlns:a16="http://schemas.microsoft.com/office/drawing/2014/main" id="{66DEF727-79B1-4CE2-AA6B-E424C00C13D9}"/>
+                          </a:ext>
+                        </a:extLst>
+                      </p:cNvPr>
+                      <p:cNvPicPr/>
+                      <p:nvPr/>
+                    </p:nvPicPr>
+                    <p:blipFill>
+                      <a:blip r:embed="rId5"/>
+                      <a:stretch>
+                        <a:fillRect/>
+                      </a:stretch>
+                    </p:blipFill>
+                    <p:spPr>
+                      <a:xfrm>
+                        <a:off x="1588" y="1588"/>
+                        <a:ext cx="1588" cy="1588"/>
+                      </a:xfrm>
+                      <a:prstGeom prst="rect">
+                        <a:avLst/>
+                      </a:prstGeom>
+                    </p:spPr>
+                  </p:pic>
+                </p:oleObj>
+              </mc:Fallback>
+            </mc:AlternateContent>
+          </a:graphicData>
+        </a:graphic>
+      </p:graphicFrame>
+      <p:pic>
+        <p:nvPicPr>
+          <p:cNvPr id="8" name="Picture 7">
+            <a:extLst>
+              <a:ext uri="{FF2B5EF4-FFF2-40B4-BE49-F238E27FC236}">
+                <a16:creationId xmlns:a16="http://schemas.microsoft.com/office/drawing/2014/main" id="{05E4CF82-E05E-496A-A7D0-C6C47AC7192A}"/>
+              </a:ext>
+            </a:extLst>
+          </p:cNvPr>
+          <p:cNvPicPr>
+            <a:picLocks noChangeAspect="1"/>
+          </p:cNvPicPr>
+          <p:nvPr/>
+        </p:nvPicPr>
+        <p:blipFill>
+          <a:blip r:embed="rId6"/>
+          <a:stretch>
+            <a:fillRect/>
+          </a:stretch>
+        </p:blipFill>
+        <p:spPr>
+          <a:xfrm>
+            <a:off x="3176" y="0"/>
+            <a:ext cx="12187902" cy="6858000"/>
+          </a:xfrm>
+          <a:prstGeom prst="rect">
+            <a:avLst/>
+          </a:prstGeom>
+        </p:spPr>
+      </p:pic>
+      <p:sp>
+        <p:nvSpPr>
+          <p:cNvPr id="10" name="Rectangle 9">
+            <a:extLst>
+              <a:ext uri="{FF2B5EF4-FFF2-40B4-BE49-F238E27FC236}">
+                <a16:creationId xmlns:a16="http://schemas.microsoft.com/office/drawing/2014/main" id="{368B8211-0B9F-4516-8771-3316E00DB965}"/>
+              </a:ext>
+              <a:ext uri="{C183D7F6-B498-43B3-948B-1728B52AA6E4}">
+                <adec:decorative xmlns:adec="http://schemas.microsoft.com/office/drawing/2017/decorative" val="1"/>
+              </a:ext>
+            </a:extLst>
+          </p:cNvPr>
+          <p:cNvSpPr>
+            <a:spLocks noGrp="1" noRot="1" noChangeAspect="1" noMove="1" noResize="1" noEditPoints="1" noAdjustHandles="1" noChangeArrowheads="1" noChangeShapeType="1" noTextEdit="1"/>
+          </p:cNvSpPr>
+          <p:nvPr>
+            <p:extLst>
+              <p:ext uri="{386F3935-93C4-4BCD-93E2-E3B085C9AB24}">
+                <p16:designElem xmlns:p16="http://schemas.microsoft.com/office/powerpoint/2015/main" val="1"/>
+              </p:ext>
+            </p:extLst>
+          </p:nvPr>
+        </p:nvSpPr>
+        <p:spPr>
+          <a:xfrm>
+            <a:off x="3891643" y="636753"/>
+            <a:ext cx="8299435" cy="5572811"/>
+          </a:xfrm>
+          <a:prstGeom prst="rect">
+            <a:avLst/>
+          </a:prstGeom>
+          <a:solidFill>
+            <a:srgbClr val="000001">
+              <a:alpha val="74902"/>
+            </a:srgbClr>
+          </a:solidFill>
+          <a:ln>
+            <a:noFill/>
+          </a:ln>
+        </p:spPr>
+        <p:style>
+          <a:lnRef idx="1">
+            <a:schemeClr val="accent1"/>
+          </a:lnRef>
+          <a:fillRef idx="3">
+            <a:schemeClr val="accent1"/>
+          </a:fillRef>
+          <a:effectRef idx="2">
+            <a:schemeClr val="accent1"/>
+          </a:effectRef>
+          <a:fontRef idx="minor">
+            <a:schemeClr val="lt1"/>
+          </a:fontRef>
+        </p:style>
+        <p:txBody>
+          <a:bodyPr rtlCol="0" anchor="ctr"/>
+          <a:lstStyle/>
+          <a:p>
+            <a:pPr algn="ctr"/>
+            <a:endParaRPr lang="en-US"/>
+          </a:p>
+        </p:txBody>
+      </p:sp>
+      <p:sp>
+        <p:nvSpPr>
+          <p:cNvPr id="2" name="Title 1">
+            <a:extLst>
+              <a:ext uri="{FF2B5EF4-FFF2-40B4-BE49-F238E27FC236}">
+                <a16:creationId xmlns:a16="http://schemas.microsoft.com/office/drawing/2014/main" id="{58D09449-FF1C-8B40-8F4F-12A161CADF3A}"/>
+              </a:ext>
+            </a:extLst>
+          </p:cNvPr>
+          <p:cNvSpPr>
+            <a:spLocks noGrp="1"/>
+          </p:cNvSpPr>
+          <p:nvPr>
+            <p:ph type="title"/>
+          </p:nvPr>
+        </p:nvSpPr>
+        <p:spPr>
+          <a:xfrm>
+            <a:off x="4063421" y="804520"/>
+            <a:ext cx="6815731" cy="1049235"/>
+          </a:xfrm>
+        </p:spPr>
+        <p:txBody>
+          <a:bodyPr vert="horz">
+            <a:normAutofit/>
+          </a:bodyPr>
+          <a:lstStyle/>
+          <a:p>
+            <a:r>
+              <a:rPr lang="en-US" dirty="0">
+                <a:solidFill>
+                  <a:srgbClr val="FFFFFE"/>
+                </a:solidFill>
+              </a:rPr>
+              <a:t>NEXT STEPS</a:t>
+            </a:r>
+          </a:p>
+        </p:txBody>
+      </p:sp>
+      <p:cxnSp>
+        <p:nvCxnSpPr>
+          <p:cNvPr id="12" name="Straight Connector 11">
+            <a:extLst>
+              <a:ext uri="{FF2B5EF4-FFF2-40B4-BE49-F238E27FC236}">
+                <a16:creationId xmlns:a16="http://schemas.microsoft.com/office/drawing/2014/main" id="{B7582E73-8B46-4A0E-944E-58357C80883F}"/>
+              </a:ext>
+              <a:ext uri="{C183D7F6-B498-43B3-948B-1728B52AA6E4}">
+                <adec:decorative xmlns:adec="http://schemas.microsoft.com/office/drawing/2017/decorative" val="1"/>
+              </a:ext>
+            </a:extLst>
+          </p:cNvPr>
+          <p:cNvCxnSpPr>
+            <a:cxnSpLocks noGrp="1" noRot="1" noChangeAspect="1" noMove="1" noResize="1" noEditPoints="1" noAdjustHandles="1" noChangeArrowheads="1" noChangeShapeType="1"/>
+          </p:cNvCxnSpPr>
+          <p:nvPr>
+            <p:extLst>
+              <p:ext uri="{386F3935-93C4-4BCD-93E2-E3B085C9AB24}">
+                <p16:designElem xmlns:p16="http://schemas.microsoft.com/office/powerpoint/2015/main" val="1"/>
+              </p:ext>
+            </p:extLst>
+          </p:nvPr>
+        </p:nvCxnSpPr>
+        <p:spPr>
+          <a:xfrm>
+            <a:off x="4065789" y="1847088"/>
+            <a:ext cx="6813363" cy="0"/>
+          </a:xfrm>
+          <a:prstGeom prst="line">
+            <a:avLst/>
+          </a:prstGeom>
+          <a:ln w="31750">
+            <a:solidFill>
+              <a:srgbClr val="AE874D"/>
+            </a:solidFill>
+          </a:ln>
+        </p:spPr>
+        <p:style>
+          <a:lnRef idx="3">
+            <a:schemeClr val="accent1"/>
+          </a:lnRef>
+          <a:fillRef idx="0">
+            <a:schemeClr val="accent1"/>
+          </a:fillRef>
+          <a:effectRef idx="2">
+            <a:schemeClr val="accent1"/>
+          </a:effectRef>
+          <a:fontRef idx="minor">
+            <a:schemeClr val="tx1"/>
+          </a:fontRef>
+        </p:style>
+      </p:cxnSp>
+      <p:sp>
+        <p:nvSpPr>
+          <p:cNvPr id="3" name="Content Placeholder 2">
+            <a:extLst>
+              <a:ext uri="{FF2B5EF4-FFF2-40B4-BE49-F238E27FC236}">
+                <a16:creationId xmlns:a16="http://schemas.microsoft.com/office/drawing/2014/main" id="{45193FB7-94A1-0548-A604-84764B1A1938}"/>
+              </a:ext>
+            </a:extLst>
+          </p:cNvPr>
+          <p:cNvSpPr>
+            <a:spLocks noGrp="1"/>
+          </p:cNvSpPr>
+          <p:nvPr>
+            <p:ph idx="1"/>
+          </p:nvPr>
+        </p:nvSpPr>
+        <p:spPr>
+          <a:xfrm>
+            <a:off x="4063421" y="2015733"/>
+            <a:ext cx="6815731" cy="4021267"/>
+          </a:xfrm>
+        </p:spPr>
+        <p:txBody>
+          <a:bodyPr>
+            <a:normAutofit/>
+          </a:bodyPr>
+          <a:lstStyle/>
+          <a:p>
+            <a:pPr>
+              <a:buClr>
+                <a:srgbClr val="AE874D"/>
+              </a:buClr>
+            </a:pPr>
+            <a:r>
+              <a:rPr lang="en-US" dirty="0">
+                <a:solidFill>
+                  <a:srgbClr val="FFFFFE"/>
+                </a:solidFill>
+              </a:rPr>
+              <a:t>With more time:</a:t>
+            </a:r>
+          </a:p>
+          <a:p>
+            <a:pPr lvl="1">
+              <a:buClr>
+                <a:srgbClr val="AE874D"/>
+              </a:buClr>
+            </a:pPr>
+            <a:r>
+              <a:rPr lang="en-US" dirty="0">
+                <a:solidFill>
+                  <a:srgbClr val="FFFFFE"/>
+                </a:solidFill>
+              </a:rPr>
+              <a:t>Plot the individual distilleries (requires a </a:t>
+            </a:r>
+            <a:r>
+              <a:rPr lang="en-US" dirty="0" err="1">
+                <a:solidFill>
+                  <a:srgbClr val="FFFFFE"/>
+                </a:solidFill>
+              </a:rPr>
+              <a:t>GeoJSON</a:t>
+            </a:r>
+            <a:r>
+              <a:rPr lang="en-US" dirty="0">
+                <a:solidFill>
+                  <a:srgbClr val="FFFFFE"/>
+                </a:solidFill>
+              </a:rPr>
+              <a:t>).</a:t>
+            </a:r>
+          </a:p>
+          <a:p>
+            <a:pPr lvl="1">
+              <a:buClr>
+                <a:srgbClr val="AE874D"/>
+              </a:buClr>
+            </a:pPr>
+            <a:r>
+              <a:rPr lang="en-US" dirty="0">
+                <a:solidFill>
+                  <a:srgbClr val="FFFFFE"/>
+                </a:solidFill>
+              </a:rPr>
+              <a:t>Add whisky characteristics to the study.</a:t>
+            </a:r>
+          </a:p>
+          <a:p>
+            <a:pPr lvl="2">
+              <a:buClr>
+                <a:srgbClr val="AE874D"/>
+              </a:buClr>
+            </a:pPr>
+            <a:r>
+              <a:rPr lang="en-US" dirty="0">
+                <a:solidFill>
+                  <a:srgbClr val="FFFFFE"/>
+                </a:solidFill>
+              </a:rPr>
+              <a:t>This could include price.</a:t>
+            </a:r>
+          </a:p>
+          <a:p>
+            <a:pPr lvl="1">
+              <a:buClr>
+                <a:srgbClr val="AE874D"/>
+              </a:buClr>
+            </a:pPr>
+            <a:r>
+              <a:rPr lang="en-US" dirty="0">
+                <a:solidFill>
+                  <a:srgbClr val="FFFFFE"/>
+                </a:solidFill>
+              </a:rPr>
+              <a:t>Increased the filterability of the data table.</a:t>
+            </a:r>
+          </a:p>
+          <a:p>
+            <a:pPr lvl="2">
+              <a:buClr>
+                <a:srgbClr val="AE874D"/>
+              </a:buClr>
+            </a:pPr>
+            <a:r>
+              <a:rPr lang="en-US" dirty="0">
+                <a:solidFill>
+                  <a:srgbClr val="FFFFFE"/>
+                </a:solidFill>
+              </a:rPr>
+              <a:t>Perhaps add summary statistics to the jQuery table.</a:t>
+            </a:r>
+          </a:p>
+          <a:p>
+            <a:pPr lvl="1">
+              <a:buClr>
+                <a:srgbClr val="AE874D"/>
+              </a:buClr>
+            </a:pPr>
+            <a:r>
+              <a:rPr lang="en-US" dirty="0">
+                <a:solidFill>
+                  <a:srgbClr val="FFFFFE"/>
+                </a:solidFill>
+              </a:rPr>
+              <a:t>Add a Comparisons page which allows side by side comparisons of whiskies and / or distilleries by country.</a:t>
+            </a:r>
+          </a:p>
+        </p:txBody>
+      </p:sp>
+    </p:spTree>
+    <p:extLst>
+      <p:ext uri="{BB962C8B-B14F-4D97-AF65-F5344CB8AC3E}">
+        <p14:creationId xmlns:p14="http://schemas.microsoft.com/office/powerpoint/2010/main" val="3754315581"/>
+      </p:ext>
+    </p:extLst>
+  </p:cSld>
+  <p:clrMapOvr>
+    <a:masterClrMapping/>
+  </p:clrMapOvr>
+</p:sld>
+</file>
+
+<file path=ppt/tags/tag1.xml><?xml version="1.0" encoding="utf-8"?>
+<p:tagLst xmlns:a="http://schemas.openxmlformats.org/drawingml/2006/main" xmlns:r="http://schemas.openxmlformats.org/officeDocument/2006/relationships" xmlns:p="http://schemas.openxmlformats.org/presentationml/2006/main">
+  <p:tag name="THINKCELLUNDODONOTDELETE" val="0"/>
+</p:tagLst>
+</file>
+
+<file path=ppt/tags/tag2.xml><?xml version="1.0" encoding="utf-8"?>
+<p:tagLst xmlns:a="http://schemas.openxmlformats.org/drawingml/2006/main" xmlns:r="http://schemas.openxmlformats.org/officeDocument/2006/relationships" xmlns:p="http://schemas.openxmlformats.org/presentationml/2006/main">
+  <p:tag name="THINKCELLSHAPEDONOTDELETE" val="thinkcellActiveDocDoNotDelete"/>
+</p:tagLst>
+</file>
+
+<file path=ppt/tags/tag3.xml><?xml version="1.0" encoding="utf-8"?>
+<p:tagLst xmlns:a="http://schemas.openxmlformats.org/drawingml/2006/main" xmlns:r="http://schemas.openxmlformats.org/officeDocument/2006/relationships" xmlns:p="http://schemas.openxmlformats.org/presentationml/2006/main">
+  <p:tag name="THINKCELLSHAPEDONOTDELETE" val="thinkcellActiveDocDoNotDelete"/>
+</p:tagLst>
+</file>
+
+<file path=ppt/tags/tag4.xml><?xml version="1.0" encoding="utf-8"?>
+<p:tagLst xmlns:a="http://schemas.openxmlformats.org/drawingml/2006/main" xmlns:r="http://schemas.openxmlformats.org/officeDocument/2006/relationships" xmlns:p="http://schemas.openxmlformats.org/presentationml/2006/main">
+  <p:tag name="THINKCELLSHAPEDONOTDELETE" val="thinkcellActiveDocDoNotDelete"/>
+</p:tagLst>
+</file>
+
+<file path=ppt/tags/tag5.xml><?xml version="1.0" encoding="utf-8"?>
+<p:tagLst xmlns:a="http://schemas.openxmlformats.org/drawingml/2006/main" xmlns:r="http://schemas.openxmlformats.org/officeDocument/2006/relationships" xmlns:p="http://schemas.openxmlformats.org/presentationml/2006/main">
+  <p:tag name="THINKCELLSHAPEDONOTDELETE" val="thinkcellActiveDocDoNotDelete"/>
+</p:tagLst>
+</file>
+
+<file path=ppt/tags/tag6.xml><?xml version="1.0" encoding="utf-8"?>
+<p:tagLst xmlns:a="http://schemas.openxmlformats.org/drawingml/2006/main" xmlns:r="http://schemas.openxmlformats.org/officeDocument/2006/relationships" xmlns:p="http://schemas.openxmlformats.org/presentationml/2006/main">
+  <p:tag name="THINKCELLSHAPEDONOTDELETE" val="thinkcellActiveDocDoNotDelete"/>
+</p:tagLst>
 </file>
 
 <file path=ppt/theme/theme1.xml><?xml version="1.0" encoding="utf-8"?>

--- a/Presentation.pptx
+++ b/Presentation.pptx
@@ -124,7 +124,7 @@
 <file path=ppt/revisionInfo.xml><?xml version="1.0" encoding="utf-8"?>
 <p1510:revInfo xmlns:a="http://schemas.openxmlformats.org/drawingml/2006/main" xmlns:r="http://schemas.openxmlformats.org/officeDocument/2006/relationships" xmlns:p1510="http://schemas.microsoft.com/office/powerpoint/2015/10/main">
   <p1510:revLst>
-    <p1510:client id="{D34EA4F5-CF70-4671-BB40-290A1FA825C5}" v="699" dt="2021-07-20T13:27:00.843"/>
+    <p1510:client id="{D34EA4F5-CF70-4671-BB40-290A1FA825C5}" v="706" dt="2021-07-20T13:36:39.347"/>
   </p1510:revLst>
 </p1510:revInfo>
 </file>
@@ -896,7 +896,7 @@
           <a:p>
             <a:fld id="{48A87A34-81AB-432B-8DAE-1953F412C126}" type="datetimeFigureOut">
               <a:rPr lang="en-US" dirty="0"/>
-              <a:t>7/20/2021</a:t>
+              <a:t>7/22/2021</a:t>
             </a:fld>
             <a:endParaRPr lang="en-US" dirty="0"/>
           </a:p>
@@ -1102,7 +1102,7 @@
           <a:p>
             <a:fld id="{48A87A34-81AB-432B-8DAE-1953F412C126}" type="datetimeFigureOut">
               <a:rPr lang="en-US" dirty="0"/>
-              <a:t>7/20/2021</a:t>
+              <a:t>7/22/2021</a:t>
             </a:fld>
             <a:endParaRPr lang="en-US" dirty="0"/>
           </a:p>
@@ -1312,7 +1312,7 @@
           <a:p>
             <a:fld id="{48A87A34-81AB-432B-8DAE-1953F412C126}" type="datetimeFigureOut">
               <a:rPr lang="en-US" dirty="0"/>
-              <a:t>7/20/2021</a:t>
+              <a:t>7/22/2021</a:t>
             </a:fld>
             <a:endParaRPr lang="en-US" dirty="0"/>
           </a:p>
@@ -1508,7 +1508,7 @@
           <a:p>
             <a:fld id="{48A87A34-81AB-432B-8DAE-1953F412C126}" type="datetimeFigureOut">
               <a:rPr lang="en-US" dirty="0"/>
-              <a:t>7/20/2021</a:t>
+              <a:t>7/22/2021</a:t>
             </a:fld>
             <a:endParaRPr lang="en-US" dirty="0"/>
           </a:p>
@@ -1782,7 +1782,7 @@
           <a:p>
             <a:fld id="{48A87A34-81AB-432B-8DAE-1953F412C126}" type="datetimeFigureOut">
               <a:rPr lang="en-US" dirty="0"/>
-              <a:t>7/20/2021</a:t>
+              <a:t>7/22/2021</a:t>
             </a:fld>
             <a:endParaRPr lang="en-US" dirty="0"/>
           </a:p>
@@ -2045,7 +2045,7 @@
           <a:p>
             <a:fld id="{48A87A34-81AB-432B-8DAE-1953F412C126}" type="datetimeFigureOut">
               <a:rPr lang="en-US" dirty="0"/>
-              <a:t>7/20/2021</a:t>
+              <a:t>7/22/2021</a:t>
             </a:fld>
             <a:endParaRPr lang="en-US" dirty="0"/>
           </a:p>
@@ -2456,7 +2456,7 @@
           <a:p>
             <a:fld id="{48A87A34-81AB-432B-8DAE-1953F412C126}" type="datetimeFigureOut">
               <a:rPr lang="en-US" dirty="0"/>
-              <a:t>7/20/2021</a:t>
+              <a:t>7/22/2021</a:t>
             </a:fld>
             <a:endParaRPr lang="en-US" dirty="0"/>
           </a:p>
@@ -2600,7 +2600,7 @@
           <a:p>
             <a:fld id="{48A87A34-81AB-432B-8DAE-1953F412C126}" type="datetimeFigureOut">
               <a:rPr lang="en-US" dirty="0"/>
-              <a:t>7/20/2021</a:t>
+              <a:t>7/22/2021</a:t>
             </a:fld>
             <a:endParaRPr lang="en-US" dirty="0"/>
           </a:p>
@@ -2721,7 +2721,7 @@
           <a:p>
             <a:fld id="{48A87A34-81AB-432B-8DAE-1953F412C126}" type="datetimeFigureOut">
               <a:rPr lang="en-US" dirty="0"/>
-              <a:t>7/20/2021</a:t>
+              <a:t>7/22/2021</a:t>
             </a:fld>
             <a:endParaRPr lang="en-US" dirty="0"/>
           </a:p>
@@ -2967,7 +2967,7 @@
           <a:p>
             <a:fld id="{48A87A34-81AB-432B-8DAE-1953F412C126}" type="datetimeFigureOut">
               <a:rPr lang="en-US" dirty="0"/>
-              <a:t>7/20/2021</a:t>
+              <a:t>7/22/2021</a:t>
             </a:fld>
             <a:endParaRPr lang="en-US" dirty="0"/>
           </a:p>
@@ -3408,7 +3408,7 @@
             <a:fld id="{48A87A34-81AB-432B-8DAE-1953F412C126}" type="datetimeFigureOut">
               <a:rPr lang="en-US" dirty="0"/>
               <a:pPr/>
-              <a:t>7/20/2021</a:t>
+              <a:t>7/22/2021</a:t>
             </a:fld>
             <a:endParaRPr lang="en-US" dirty="0"/>
           </a:p>
@@ -3536,7 +3536,7 @@
           </p:cNvGraphicFramePr>
           <p:nvPr userDrawn="1">
             <p:custDataLst>
-              <p:tags r:id="rId14"/>
+              <p:tags r:id="rId13"/>
             </p:custDataLst>
             <p:extLst>
               <p:ext uri="{D42A27DB-BD31-4B8C-83A1-F6EECF244321}">
@@ -3553,12 +3553,12 @@
           <a:graphicData uri="http://schemas.openxmlformats.org/presentationml/2006/ole">
             <mc:AlternateContent xmlns:mc="http://schemas.openxmlformats.org/markup-compatibility/2006">
               <mc:Choice xmlns:v="urn:schemas-microsoft-com:vml" Requires="v">
-                <p:oleObj spid="_x0000_s1026" name="think-cell Slide" r:id="rId15" imgW="411" imgH="411" progId="TCLayout.ActiveDocument.1">
+                <p:oleObj name="think-cell Slide" r:id="rId14" imgW="411" imgH="411" progId="TCLayout.ActiveDocument.1">
                   <p:embed/>
                 </p:oleObj>
               </mc:Choice>
               <mc:Fallback>
-                <p:oleObj name="think-cell Slide" r:id="rId15" imgW="411" imgH="411" progId="TCLayout.ActiveDocument.1">
+                <p:oleObj name="think-cell Slide" r:id="rId14" imgW="411" imgH="411" progId="TCLayout.ActiveDocument.1">
                   <p:embed/>
                   <p:pic>
                     <p:nvPicPr>
@@ -3573,7 +3573,7 @@
                       <p:nvPr/>
                     </p:nvPicPr>
                     <p:blipFill>
-                      <a:blip r:embed="rId16"/>
+                      <a:blip r:embed="rId15"/>
                       <a:stretch>
                         <a:fillRect/>
                       </a:stretch>
@@ -3659,7 +3659,7 @@
           <p:nvPr/>
         </p:nvPicPr>
         <p:blipFill rotWithShape="1">
-          <a:blip r:embed="rId17">
+          <a:blip r:embed="rId16">
             <a:extLst>
               <a:ext uri="{28A0092B-C50C-407E-A947-70E740481C1C}">
                 <a14:useLocalDpi xmlns:a14="http://schemas.microsoft.com/office/drawing/2010/main" val="0"/>
@@ -3810,7 +3810,7 @@
             <a:fld id="{48A87A34-81AB-432B-8DAE-1953F412C126}" type="datetimeFigureOut">
               <a:rPr lang="en-US" dirty="0"/>
               <a:pPr/>
-              <a:t>7/20/2021</a:t>
+              <a:t>7/22/2021</a:t>
             </a:fld>
             <a:endParaRPr lang="en-US" dirty="0"/>
           </a:p>
@@ -4616,7 +4616,7 @@
           </p:cNvGraphicFramePr>
           <p:nvPr>
             <p:custDataLst>
-              <p:tags r:id="rId2"/>
+              <p:tags r:id="rId1"/>
             </p:custDataLst>
             <p:extLst>
               <p:ext uri="{D42A27DB-BD31-4B8C-83A1-F6EECF244321}">
@@ -4633,12 +4633,12 @@
           <a:graphicData uri="http://schemas.openxmlformats.org/presentationml/2006/ole">
             <mc:AlternateContent xmlns:mc="http://schemas.openxmlformats.org/markup-compatibility/2006">
               <mc:Choice xmlns:v="urn:schemas-microsoft-com:vml" Requires="v">
-                <p:oleObj spid="_x0000_s2050" name="think-cell Slide" r:id="rId4" imgW="411" imgH="411" progId="TCLayout.ActiveDocument.1">
+                <p:oleObj name="think-cell Slide" r:id="rId3" imgW="411" imgH="411" progId="TCLayout.ActiveDocument.1">
                   <p:embed/>
                 </p:oleObj>
               </mc:Choice>
               <mc:Fallback>
-                <p:oleObj name="think-cell Slide" r:id="rId4" imgW="411" imgH="411" progId="TCLayout.ActiveDocument.1">
+                <p:oleObj name="think-cell Slide" r:id="rId3" imgW="411" imgH="411" progId="TCLayout.ActiveDocument.1">
                   <p:embed/>
                   <p:pic>
                     <p:nvPicPr>
@@ -4653,7 +4653,7 @@
                       <p:nvPr/>
                     </p:nvPicPr>
                     <p:blipFill>
-                      <a:blip r:embed="rId5"/>
+                      <a:blip r:embed="rId4"/>
                       <a:stretch>
                         <a:fillRect/>
                       </a:stretch>
@@ -4689,7 +4689,7 @@
           <p:nvPr/>
         </p:nvPicPr>
         <p:blipFill>
-          <a:blip r:embed="rId6"/>
+          <a:blip r:embed="rId5"/>
           <a:stretch>
             <a:fillRect/>
           </a:stretch>
@@ -4758,7 +4758,7 @@
           <p:nvPr/>
         </p:nvPicPr>
         <p:blipFill>
-          <a:blip r:embed="rId7">
+          <a:blip r:embed="rId6">
             <a:alphaModFix amt="38000"/>
           </a:blip>
           <a:stretch>
@@ -5377,7 +5377,7 @@
                   <a:srgbClr val="FFFFFE"/>
                 </a:solidFill>
               </a:rPr>
-              <a:t>We got our data from Kaggle and  Whisky Base.</a:t>
+              <a:t>We got our data from GitHub API page and  Whisky Base.</a:t>
             </a:r>
           </a:p>
           <a:p>
@@ -5571,7 +5571,7 @@
           </p:cNvGraphicFramePr>
           <p:nvPr>
             <p:custDataLst>
-              <p:tags r:id="rId2"/>
+              <p:tags r:id="rId1"/>
             </p:custDataLst>
             <p:extLst>
               <p:ext uri="{D42A27DB-BD31-4B8C-83A1-F6EECF244321}">
@@ -5588,12 +5588,12 @@
           <a:graphicData uri="http://schemas.openxmlformats.org/presentationml/2006/ole">
             <mc:AlternateContent xmlns:mc="http://schemas.openxmlformats.org/markup-compatibility/2006">
               <mc:Choice xmlns:v="urn:schemas-microsoft-com:vml" Requires="v">
-                <p:oleObj spid="_x0000_s3074" name="think-cell Slide" r:id="rId4" imgW="411" imgH="411" progId="TCLayout.ActiveDocument.1">
+                <p:oleObj name="think-cell Slide" r:id="rId3" imgW="411" imgH="411" progId="TCLayout.ActiveDocument.1">
                   <p:embed/>
                 </p:oleObj>
               </mc:Choice>
               <mc:Fallback>
-                <p:oleObj name="think-cell Slide" r:id="rId4" imgW="411" imgH="411" progId="TCLayout.ActiveDocument.1">
+                <p:oleObj name="think-cell Slide" r:id="rId3" imgW="411" imgH="411" progId="TCLayout.ActiveDocument.1">
                   <p:embed/>
                   <p:pic>
                     <p:nvPicPr>
@@ -5608,7 +5608,7 @@
                       <p:nvPr/>
                     </p:nvPicPr>
                     <p:blipFill>
-                      <a:blip r:embed="rId5"/>
+                      <a:blip r:embed="rId4"/>
                       <a:stretch>
                         <a:fillRect/>
                       </a:stretch>
@@ -5644,7 +5644,7 @@
           <p:nvPr/>
         </p:nvPicPr>
         <p:blipFill>
-          <a:blip r:embed="rId6"/>
+          <a:blip r:embed="rId5"/>
           <a:stretch>
             <a:fillRect/>
           </a:stretch>
@@ -5734,7 +5734,7 @@
                 <a:solidFill>
                   <a:schemeClr val="bg1"/>
                 </a:solidFill>
-                <a:hlinkClick r:id="rId7">
+                <a:hlinkClick r:id="rId6">
                   <a:extLst>
                     <a:ext uri="{A12FA001-AC4F-418D-AE19-62706E023703}">
                       <ahyp:hlinkClr xmlns:ahyp="http://schemas.microsoft.com/office/drawing/2018/hyperlinkcolor" val="tx"/>
@@ -5820,7 +5820,7 @@
           </p:cNvGraphicFramePr>
           <p:nvPr>
             <p:custDataLst>
-              <p:tags r:id="rId2"/>
+              <p:tags r:id="rId1"/>
             </p:custDataLst>
             <p:extLst>
               <p:ext uri="{D42A27DB-BD31-4B8C-83A1-F6EECF244321}">
@@ -5837,12 +5837,12 @@
           <a:graphicData uri="http://schemas.openxmlformats.org/presentationml/2006/ole">
             <mc:AlternateContent xmlns:mc="http://schemas.openxmlformats.org/markup-compatibility/2006">
               <mc:Choice xmlns:v="urn:schemas-microsoft-com:vml" Requires="v">
-                <p:oleObj spid="_x0000_s4098" name="think-cell Slide" r:id="rId4" imgW="411" imgH="411" progId="TCLayout.ActiveDocument.1">
+                <p:oleObj name="think-cell Slide" r:id="rId3" imgW="411" imgH="411" progId="TCLayout.ActiveDocument.1">
                   <p:embed/>
                 </p:oleObj>
               </mc:Choice>
               <mc:Fallback>
-                <p:oleObj name="think-cell Slide" r:id="rId4" imgW="411" imgH="411" progId="TCLayout.ActiveDocument.1">
+                <p:oleObj name="think-cell Slide" r:id="rId3" imgW="411" imgH="411" progId="TCLayout.ActiveDocument.1">
                   <p:embed/>
                   <p:pic>
                     <p:nvPicPr>
@@ -5857,7 +5857,7 @@
                       <p:nvPr/>
                     </p:nvPicPr>
                     <p:blipFill>
-                      <a:blip r:embed="rId5"/>
+                      <a:blip r:embed="rId4"/>
                       <a:stretch>
                         <a:fillRect/>
                       </a:stretch>
@@ -5893,7 +5893,7 @@
           <p:nvPr/>
         </p:nvPicPr>
         <p:blipFill rotWithShape="1">
-          <a:blip r:embed="rId6"/>
+          <a:blip r:embed="rId5"/>
           <a:srcRect l="6764" r="4793" b="-1"/>
           <a:stretch/>
         </p:blipFill>
@@ -6245,7 +6245,7 @@
           </p:cNvGraphicFramePr>
           <p:nvPr>
             <p:custDataLst>
-              <p:tags r:id="rId2"/>
+              <p:tags r:id="rId1"/>
             </p:custDataLst>
             <p:extLst>
               <p:ext uri="{D42A27DB-BD31-4B8C-83A1-F6EECF244321}">
@@ -6262,12 +6262,12 @@
           <a:graphicData uri="http://schemas.openxmlformats.org/presentationml/2006/ole">
             <mc:AlternateContent xmlns:mc="http://schemas.openxmlformats.org/markup-compatibility/2006">
               <mc:Choice xmlns:v="urn:schemas-microsoft-com:vml" Requires="v">
-                <p:oleObj spid="_x0000_s5122" name="think-cell Slide" r:id="rId4" imgW="411" imgH="411" progId="TCLayout.ActiveDocument.1">
+                <p:oleObj name="think-cell Slide" r:id="rId3" imgW="411" imgH="411" progId="TCLayout.ActiveDocument.1">
                   <p:embed/>
                 </p:oleObj>
               </mc:Choice>
               <mc:Fallback>
-                <p:oleObj name="think-cell Slide" r:id="rId4" imgW="411" imgH="411" progId="TCLayout.ActiveDocument.1">
+                <p:oleObj name="think-cell Slide" r:id="rId3" imgW="411" imgH="411" progId="TCLayout.ActiveDocument.1">
                   <p:embed/>
                   <p:pic>
                     <p:nvPicPr>
@@ -6282,7 +6282,7 @@
                       <p:nvPr/>
                     </p:nvPicPr>
                     <p:blipFill>
-                      <a:blip r:embed="rId5"/>
+                      <a:blip r:embed="rId4"/>
                       <a:stretch>
                         <a:fillRect/>
                       </a:stretch>
@@ -6318,7 +6318,7 @@
           <p:nvPr/>
         </p:nvPicPr>
         <p:blipFill>
-          <a:blip r:embed="rId6"/>
+          <a:blip r:embed="rId5"/>
           <a:stretch>
             <a:fillRect/>
           </a:stretch>
